--- a/工作日報_葉柏漢/2021.07/2021.07.26(晚上加班)_2021.07.27工作日報_葉柏漢.pptx
+++ b/工作日報_葉柏漢/2021.07/2021.07.26(晚上加班)_2021.07.27工作日報_葉柏漢.pptx
@@ -6,7 +6,7 @@
     <p:sldMasterId id="2147483660" r:id="rId2"/>
   </p:sldMasterIdLst>
   <p:notesMasterIdLst>
-    <p:notesMasterId r:id="rId10"/>
+    <p:notesMasterId r:id="rId13"/>
   </p:notesMasterIdLst>
   <p:sldIdLst>
     <p:sldId id="256" r:id="rId3"/>
@@ -15,7 +15,10 @@
     <p:sldId id="281" r:id="rId6"/>
     <p:sldId id="282" r:id="rId7"/>
     <p:sldId id="283" r:id="rId8"/>
-    <p:sldId id="280" r:id="rId9"/>
+    <p:sldId id="284" r:id="rId9"/>
+    <p:sldId id="285" r:id="rId10"/>
+    <p:sldId id="286" r:id="rId11"/>
+    <p:sldId id="280" r:id="rId12"/>
   </p:sldIdLst>
   <p:sldSz cx="12192000" cy="6858000"/>
   <p:notesSz cx="6858000" cy="9144000"/>
@@ -116,7 +119,7 @@
   </p:defaultTextStyle>
   <p:extLst>
     <p:ext uri="{EFAFB233-063F-42B5-8137-9DF3F51BA10A}">
-      <p15:sldGuideLst xmlns:p15="http://schemas.microsoft.com/office/powerpoint/2012/main">
+      <p15:sldGuideLst xmlns:p15="http://schemas.microsoft.com/office/powerpoint/2012/main" xmlns="">
         <p15:guide id="1" orient="horz" pos="2160" userDrawn="1">
           <p15:clr>
             <a:srgbClr val="A4A3A4"/>
@@ -215,7 +218,7 @@
           <a:p>
             <a:fld id="{5F45278C-940B-4C39-9CBC-669F45D4F0E2}" type="datetimeFigureOut">
               <a:rPr lang="zh-CN" altLang="en-US" smtClean="0"/>
-              <a:t>2021/7/26</a:t>
+              <a:t>2021/7/27</a:t>
             </a:fld>
             <a:endParaRPr lang="zh-CN" altLang="en-US"/>
           </a:p>
@@ -612,7 +615,7 @@
           <a:p>
             <a:fld id="{D997B5FA-0921-464F-AAE1-844C04324D75}" type="datetimeFigureOut">
               <a:rPr lang="zh-CN" altLang="en-US" smtClean="0"/>
-              <a:t>2021/7/26</a:t>
+              <a:t>2021/7/27</a:t>
             </a:fld>
             <a:endParaRPr lang="zh-CN" altLang="en-US"/>
           </a:p>
@@ -792,7 +795,7 @@
           <a:p>
             <a:fld id="{D997B5FA-0921-464F-AAE1-844C04324D75}" type="datetimeFigureOut">
               <a:rPr lang="zh-CN" altLang="en-US" smtClean="0"/>
-              <a:t>2021/7/26</a:t>
+              <a:t>2021/7/27</a:t>
             </a:fld>
             <a:endParaRPr lang="zh-CN" altLang="en-US"/>
           </a:p>
@@ -982,7 +985,7 @@
           <a:p>
             <a:fld id="{D997B5FA-0921-464F-AAE1-844C04324D75}" type="datetimeFigureOut">
               <a:rPr lang="zh-CN" altLang="en-US" smtClean="0"/>
-              <a:t>2021/7/26</a:t>
+              <a:t>2021/7/27</a:t>
             </a:fld>
             <a:endParaRPr lang="zh-CN" altLang="en-US"/>
           </a:p>
@@ -1193,7 +1196,7 @@
                 </a:solidFill>
               </a:rPr>
               <a:pPr/>
-              <a:t>2021/7/26</a:t>
+              <a:t>2021/7/27</a:t>
             </a:fld>
             <a:endParaRPr lang="zh-CN" altLang="en-US">
               <a:solidFill>
@@ -1425,7 +1428,7 @@
                 </a:solidFill>
               </a:rPr>
               <a:pPr/>
-              <a:t>2021/7/26</a:t>
+              <a:t>2021/7/27</a:t>
             </a:fld>
             <a:endParaRPr lang="zh-CN" altLang="en-US">
               <a:solidFill>
@@ -1656,7 +1659,7 @@
           <a:p>
             <a:fld id="{D997B5FA-0921-464F-AAE1-844C04324D75}" type="datetimeFigureOut">
               <a:rPr lang="zh-CN" altLang="en-US" smtClean="0"/>
-              <a:t>2021/7/26</a:t>
+              <a:t>2021/7/27</a:t>
             </a:fld>
             <a:endParaRPr lang="zh-CN" altLang="en-US"/>
           </a:p>
@@ -1913,7 +1916,7 @@
           <a:p>
             <a:fld id="{D997B5FA-0921-464F-AAE1-844C04324D75}" type="datetimeFigureOut">
               <a:rPr lang="zh-CN" altLang="en-US" smtClean="0"/>
-              <a:t>2021/7/26</a:t>
+              <a:t>2021/7/27</a:t>
             </a:fld>
             <a:endParaRPr lang="zh-CN" altLang="en-US"/>
           </a:p>
@@ -2154,7 +2157,7 @@
           <a:p>
             <a:fld id="{D997B5FA-0921-464F-AAE1-844C04324D75}" type="datetimeFigureOut">
               <a:rPr lang="zh-CN" altLang="en-US" smtClean="0"/>
-              <a:t>2021/7/26</a:t>
+              <a:t>2021/7/27</a:t>
             </a:fld>
             <a:endParaRPr lang="zh-CN" altLang="en-US"/>
           </a:p>
@@ -2530,7 +2533,7 @@
           <a:p>
             <a:fld id="{D997B5FA-0921-464F-AAE1-844C04324D75}" type="datetimeFigureOut">
               <a:rPr lang="zh-CN" altLang="en-US" smtClean="0"/>
-              <a:t>2021/7/26</a:t>
+              <a:t>2021/7/27</a:t>
             </a:fld>
             <a:endParaRPr lang="zh-CN" altLang="en-US"/>
           </a:p>
@@ -2784,7 +2787,7 @@
           <a:p>
             <a:fld id="{D997B5FA-0921-464F-AAE1-844C04324D75}" type="datetimeFigureOut">
               <a:rPr lang="zh-CN" altLang="en-US" smtClean="0"/>
-              <a:t>2021/7/26</a:t>
+              <a:t>2021/7/27</a:t>
             </a:fld>
             <a:endParaRPr lang="zh-CN" altLang="en-US"/>
           </a:p>
@@ -2891,7 +2894,7 @@
           <a:p>
             <a:fld id="{D997B5FA-0921-464F-AAE1-844C04324D75}" type="datetimeFigureOut">
               <a:rPr lang="zh-CN" altLang="en-US" smtClean="0"/>
-              <a:t>2021/7/26</a:t>
+              <a:t>2021/7/27</a:t>
             </a:fld>
             <a:endParaRPr lang="zh-CN" altLang="en-US"/>
           </a:p>
@@ -3178,7 +3181,7 @@
           <a:p>
             <a:fld id="{D997B5FA-0921-464F-AAE1-844C04324D75}" type="datetimeFigureOut">
               <a:rPr lang="zh-CN" altLang="en-US" smtClean="0"/>
-              <a:t>2021/7/26</a:t>
+              <a:t>2021/7/27</a:t>
             </a:fld>
             <a:endParaRPr lang="zh-CN" altLang="en-US"/>
           </a:p>
@@ -3442,7 +3445,7 @@
           <a:p>
             <a:fld id="{D997B5FA-0921-464F-AAE1-844C04324D75}" type="datetimeFigureOut">
               <a:rPr lang="zh-CN" altLang="en-US" smtClean="0"/>
-              <a:t>2021/7/26</a:t>
+              <a:t>2021/7/27</a:t>
             </a:fld>
             <a:endParaRPr lang="zh-CN" altLang="en-US"/>
           </a:p>
@@ -3668,7 +3671,7 @@
           <a:p>
             <a:fld id="{D997B5FA-0921-464F-AAE1-844C04324D75}" type="datetimeFigureOut">
               <a:rPr lang="zh-CN" altLang="en-US" smtClean="0"/>
-              <a:t>2021/7/26</a:t>
+              <a:t>2021/7/27</a:t>
             </a:fld>
             <a:endParaRPr lang="zh-CN" altLang="en-US"/>
           </a:p>
@@ -4378,7 +4381,7 @@
           <p:cNvPr id="18" name="矩形: 圆角 17">
             <a:extLst>
               <a:ext uri="{FF2B5EF4-FFF2-40B4-BE49-F238E27FC236}">
-                <a16:creationId xmlns:a16="http://schemas.microsoft.com/office/drawing/2014/main" id="{822EAB1A-0613-4B84-B43A-020769A84C2F}"/>
+                <a16:creationId xmlns:a16="http://schemas.microsoft.com/office/drawing/2014/main" xmlns="" id="{822EAB1A-0613-4B84-B43A-020769A84C2F}"/>
               </a:ext>
             </a:extLst>
           </p:cNvPr>
@@ -4444,7 +4447,7 @@
           <p:cNvPr id="4" name="矩形: 圆角 3">
             <a:extLst>
               <a:ext uri="{FF2B5EF4-FFF2-40B4-BE49-F238E27FC236}">
-                <a16:creationId xmlns:a16="http://schemas.microsoft.com/office/drawing/2014/main" id="{CFAF4C25-9AB4-4329-B21C-0F7CB88F0784}"/>
+                <a16:creationId xmlns:a16="http://schemas.microsoft.com/office/drawing/2014/main" xmlns="" id="{CFAF4C25-9AB4-4329-B21C-0F7CB88F0784}"/>
               </a:ext>
             </a:extLst>
           </p:cNvPr>
@@ -4510,7 +4513,7 @@
           <p:cNvPr id="5" name="文本框 4">
             <a:extLst>
               <a:ext uri="{FF2B5EF4-FFF2-40B4-BE49-F238E27FC236}">
-                <a16:creationId xmlns:a16="http://schemas.microsoft.com/office/drawing/2014/main" id="{959F8909-6800-4D81-9559-FFAEB41A80C1}"/>
+                <a16:creationId xmlns:a16="http://schemas.microsoft.com/office/drawing/2014/main" xmlns="" id="{959F8909-6800-4D81-9559-FFAEB41A80C1}"/>
               </a:ext>
             </a:extLst>
           </p:cNvPr>
@@ -4560,7 +4563,7 @@
           <p:cNvPr id="6" name="文本框 5">
             <a:extLst>
               <a:ext uri="{FF2B5EF4-FFF2-40B4-BE49-F238E27FC236}">
-                <a16:creationId xmlns:a16="http://schemas.microsoft.com/office/drawing/2014/main" id="{F8829203-F363-4337-ACAC-0D2C4AE6A337}"/>
+                <a16:creationId xmlns:a16="http://schemas.microsoft.com/office/drawing/2014/main" xmlns="" id="{F8829203-F363-4337-ACAC-0D2C4AE6A337}"/>
               </a:ext>
             </a:extLst>
           </p:cNvPr>
@@ -4627,7 +4630,7 @@
           <p:cNvPr id="8" name="椭圆 7">
             <a:extLst>
               <a:ext uri="{FF2B5EF4-FFF2-40B4-BE49-F238E27FC236}">
-                <a16:creationId xmlns:a16="http://schemas.microsoft.com/office/drawing/2014/main" id="{08B93554-9443-4291-83BC-91BEC5088783}"/>
+                <a16:creationId xmlns:a16="http://schemas.microsoft.com/office/drawing/2014/main" xmlns="" id="{08B93554-9443-4291-83BC-91BEC5088783}"/>
               </a:ext>
             </a:extLst>
           </p:cNvPr>
@@ -4689,7 +4692,7 @@
           <p:cNvPr id="9" name="椭圆 8">
             <a:extLst>
               <a:ext uri="{FF2B5EF4-FFF2-40B4-BE49-F238E27FC236}">
-                <a16:creationId xmlns:a16="http://schemas.microsoft.com/office/drawing/2014/main" id="{16338DEE-2916-4AC7-A537-1507B9F2A824}"/>
+                <a16:creationId xmlns:a16="http://schemas.microsoft.com/office/drawing/2014/main" xmlns="" id="{16338DEE-2916-4AC7-A537-1507B9F2A824}"/>
               </a:ext>
             </a:extLst>
           </p:cNvPr>
@@ -4751,7 +4754,7 @@
           <p:cNvPr id="13" name="组合 12">
             <a:extLst>
               <a:ext uri="{FF2B5EF4-FFF2-40B4-BE49-F238E27FC236}">
-                <a16:creationId xmlns:a16="http://schemas.microsoft.com/office/drawing/2014/main" id="{C0EF9AE3-F1B9-443C-9F86-CDF322936010}"/>
+                <a16:creationId xmlns:a16="http://schemas.microsoft.com/office/drawing/2014/main" xmlns="" id="{C0EF9AE3-F1B9-443C-9F86-CDF322936010}"/>
               </a:ext>
             </a:extLst>
           </p:cNvPr>
@@ -4771,7 +4774,7 @@
             <p:cNvPr id="12" name="矩形: 圆角 11">
               <a:extLst>
                 <a:ext uri="{FF2B5EF4-FFF2-40B4-BE49-F238E27FC236}">
-                  <a16:creationId xmlns:a16="http://schemas.microsoft.com/office/drawing/2014/main" id="{4E9D624C-B884-49D6-955A-058878E5E13C}"/>
+                  <a16:creationId xmlns:a16="http://schemas.microsoft.com/office/drawing/2014/main" xmlns="" id="{4E9D624C-B884-49D6-955A-058878E5E13C}"/>
                 </a:ext>
               </a:extLst>
             </p:cNvPr>
@@ -4835,7 +4838,7 @@
             <p:cNvPr id="10" name="文本框 9">
               <a:extLst>
                 <a:ext uri="{FF2B5EF4-FFF2-40B4-BE49-F238E27FC236}">
-                  <a16:creationId xmlns:a16="http://schemas.microsoft.com/office/drawing/2014/main" id="{D7F488F0-218D-4123-B444-742EAD00AD0E}"/>
+                  <a16:creationId xmlns:a16="http://schemas.microsoft.com/office/drawing/2014/main" xmlns="" id="{D7F488F0-218D-4123-B444-742EAD00AD0E}"/>
                 </a:ext>
               </a:extLst>
             </p:cNvPr>
@@ -4893,7 +4896,7 @@
           <p:cNvPr id="16" name="组合 15">
             <a:extLst>
               <a:ext uri="{FF2B5EF4-FFF2-40B4-BE49-F238E27FC236}">
-                <a16:creationId xmlns:a16="http://schemas.microsoft.com/office/drawing/2014/main" id="{9653DEAF-0910-48E8-8375-9FC078E9D0D6}"/>
+                <a16:creationId xmlns:a16="http://schemas.microsoft.com/office/drawing/2014/main" xmlns="" id="{9653DEAF-0910-48E8-8375-9FC078E9D0D6}"/>
               </a:ext>
             </a:extLst>
           </p:cNvPr>
@@ -4913,7 +4916,7 @@
             <p:cNvPr id="15" name="矩形: 圆角 14">
               <a:extLst>
                 <a:ext uri="{FF2B5EF4-FFF2-40B4-BE49-F238E27FC236}">
-                  <a16:creationId xmlns:a16="http://schemas.microsoft.com/office/drawing/2014/main" id="{CC29E14A-0550-4BFF-99D2-A94938E4EB84}"/>
+                  <a16:creationId xmlns:a16="http://schemas.microsoft.com/office/drawing/2014/main" xmlns="" id="{CC29E14A-0550-4BFF-99D2-A94938E4EB84}"/>
                 </a:ext>
               </a:extLst>
             </p:cNvPr>
@@ -4977,7 +4980,7 @@
             <p:cNvPr id="11" name="文本框 10">
               <a:extLst>
                 <a:ext uri="{FF2B5EF4-FFF2-40B4-BE49-F238E27FC236}">
-                  <a16:creationId xmlns:a16="http://schemas.microsoft.com/office/drawing/2014/main" id="{333307C3-A861-42E7-A2DA-6BAC1BCA9E3C}"/>
+                  <a16:creationId xmlns:a16="http://schemas.microsoft.com/office/drawing/2014/main" xmlns="" id="{333307C3-A861-42E7-A2DA-6BAC1BCA9E3C}"/>
                 </a:ext>
               </a:extLst>
             </p:cNvPr>
@@ -5035,7 +5038,7 @@
           <p:cNvPr id="17" name="组合 15">
             <a:extLst>
               <a:ext uri="{FF2B5EF4-FFF2-40B4-BE49-F238E27FC236}">
-                <a16:creationId xmlns:a16="http://schemas.microsoft.com/office/drawing/2014/main" id="{9653DEAF-0910-48E8-8375-9FC078E9D0D6}"/>
+                <a16:creationId xmlns:a16="http://schemas.microsoft.com/office/drawing/2014/main" xmlns="" id="{9653DEAF-0910-48E8-8375-9FC078E9D0D6}"/>
               </a:ext>
             </a:extLst>
           </p:cNvPr>
@@ -5055,7 +5058,7 @@
             <p:cNvPr id="19" name="矩形: 圆角 14">
               <a:extLst>
                 <a:ext uri="{FF2B5EF4-FFF2-40B4-BE49-F238E27FC236}">
-                  <a16:creationId xmlns:a16="http://schemas.microsoft.com/office/drawing/2014/main" id="{CC29E14A-0550-4BFF-99D2-A94938E4EB84}"/>
+                  <a16:creationId xmlns:a16="http://schemas.microsoft.com/office/drawing/2014/main" xmlns="" id="{CC29E14A-0550-4BFF-99D2-A94938E4EB84}"/>
                 </a:ext>
               </a:extLst>
             </p:cNvPr>
@@ -5119,7 +5122,7 @@
             <p:cNvPr id="20" name="文本框 10">
               <a:extLst>
                 <a:ext uri="{FF2B5EF4-FFF2-40B4-BE49-F238E27FC236}">
-                  <a16:creationId xmlns:a16="http://schemas.microsoft.com/office/drawing/2014/main" id="{333307C3-A861-42E7-A2DA-6BAC1BCA9E3C}"/>
+                  <a16:creationId xmlns:a16="http://schemas.microsoft.com/office/drawing/2014/main" xmlns="" id="{333307C3-A861-42E7-A2DA-6BAC1BCA9E3C}"/>
                 </a:ext>
               </a:extLst>
             </p:cNvPr>
@@ -5169,14 +5172,7 @@
                   <a:cs typeface="+mn-ea"/>
                   <a:sym typeface="+mn-lt"/>
                 </a:rPr>
-                <a:t>2021.07.26(19:00~23:00</a:t>
-              </a:r>
-              <a:r>
-                <a:rPr lang="en-US" altLang="zh-TW" sz="1400" dirty="0" smtClean="0">
-                  <a:cs typeface="+mn-ea"/>
-                  <a:sym typeface="+mn-lt"/>
-                </a:rPr>
-                <a:t>)</a:t>
+                <a:t>2021.07.26(19:00~23:00)</a:t>
               </a:r>
             </a:p>
             <a:p>
@@ -5196,14 +5192,7 @@
                   <a:cs typeface="+mn-ea"/>
                   <a:sym typeface="+mn-lt"/>
                 </a:rPr>
-                <a:t>2021.07.27(08:30~17:30</a:t>
-              </a:r>
-              <a:r>
-                <a:rPr lang="en-US" altLang="zh-TW" sz="1400" dirty="0" smtClean="0">
-                  <a:cs typeface="+mn-ea"/>
-                  <a:sym typeface="+mn-lt"/>
-                </a:rPr>
-                <a:t>)</a:t>
+                <a:t>2021.07.27(08:30~17:30)</a:t>
               </a:r>
               <a:endParaRPr lang="zh-CN" altLang="en-US" sz="1400" dirty="0">
                 <a:cs typeface="+mn-ea"/>
@@ -5232,7 +5221,7 @@
         <p:random/>
       </p:transition>
     </mc:Choice>
-    <mc:Fallback xmlns="" xmlns:a16="http://schemas.microsoft.com/office/drawing/2014/main">
+    <mc:Fallback xmlns:a16="http://schemas.microsoft.com/office/drawing/2014/main" xmlns="">
       <p:transition spd="slow" advTm="4078">
         <p:random/>
       </p:transition>
@@ -5667,6 +5656,616 @@
 </p:sld>
 </file>
 
+<file path=ppt/slides/slide10.xml><?xml version="1.0" encoding="utf-8"?>
+<p:sld xmlns:a="http://schemas.openxmlformats.org/drawingml/2006/main" xmlns:r="http://schemas.openxmlformats.org/officeDocument/2006/relationships" xmlns:p="http://schemas.openxmlformats.org/presentationml/2006/main">
+  <p:cSld>
+    <p:spTree>
+      <p:nvGrpSpPr>
+        <p:cNvPr id="1" name=""/>
+        <p:cNvGrpSpPr/>
+        <p:nvPr/>
+      </p:nvGrpSpPr>
+      <p:grpSpPr>
+        <a:xfrm>
+          <a:off x="0" y="0"/>
+          <a:ext cx="0" cy="0"/>
+          <a:chOff x="0" y="0"/>
+          <a:chExt cx="0" cy="0"/>
+        </a:xfrm>
+      </p:grpSpPr>
+      <p:sp>
+        <p:nvSpPr>
+          <p:cNvPr id="18" name="矩形: 圆角 17">
+            <a:extLst>
+              <a:ext uri="{FF2B5EF4-FFF2-40B4-BE49-F238E27FC236}">
+                <a16:creationId xmlns:a16="http://schemas.microsoft.com/office/drawing/2014/main" xmlns="" id="{822EAB1A-0613-4B84-B43A-020769A84C2F}"/>
+              </a:ext>
+            </a:extLst>
+          </p:cNvPr>
+          <p:cNvSpPr/>
+          <p:nvPr/>
+        </p:nvSpPr>
+        <p:spPr>
+          <a:xfrm rot="2684577">
+            <a:off x="1698063" y="-917755"/>
+            <a:ext cx="8693513" cy="8693513"/>
+          </a:xfrm>
+          <a:prstGeom prst="roundRect">
+            <a:avLst>
+              <a:gd name="adj" fmla="val 13360"/>
+            </a:avLst>
+          </a:prstGeom>
+          <a:solidFill>
+            <a:schemeClr val="bg1"/>
+          </a:solidFill>
+          <a:ln>
+            <a:noFill/>
+          </a:ln>
+          <a:effectLst>
+            <a:outerShdw blurRad="546100" sx="101000" sy="101000" algn="ctr" rotWithShape="0">
+              <a:schemeClr val="tx1">
+                <a:lumMod val="65000"/>
+                <a:lumOff val="35000"/>
+                <a:alpha val="19000"/>
+              </a:schemeClr>
+            </a:outerShdw>
+          </a:effectLst>
+        </p:spPr>
+        <p:style>
+          <a:lnRef idx="2">
+            <a:schemeClr val="accent1">
+              <a:shade val="50000"/>
+            </a:schemeClr>
+          </a:lnRef>
+          <a:fillRef idx="1">
+            <a:schemeClr val="accent1"/>
+          </a:fillRef>
+          <a:effectRef idx="0">
+            <a:schemeClr val="accent1"/>
+          </a:effectRef>
+          <a:fontRef idx="minor">
+            <a:schemeClr val="lt1"/>
+          </a:fontRef>
+        </p:style>
+        <p:txBody>
+          <a:bodyPr rtlCol="0" anchor="ctr"/>
+          <a:lstStyle/>
+          <a:p>
+            <a:pPr marL="0" marR="0" lvl="0" indent="0" algn="ctr" defTabSz="914400" rtl="0" eaLnBrk="1" fontAlgn="auto" latinLnBrk="0" hangingPunct="1">
+              <a:lnSpc>
+                <a:spcPct val="100000"/>
+              </a:lnSpc>
+              <a:spcBef>
+                <a:spcPts val="0"/>
+              </a:spcBef>
+              <a:spcAft>
+                <a:spcPts val="0"/>
+              </a:spcAft>
+              <a:buClrTx/>
+              <a:buSzTx/>
+              <a:buFontTx/>
+              <a:buNone/>
+              <a:tabLst/>
+              <a:defRPr/>
+            </a:pPr>
+            <a:endParaRPr kumimoji="0" lang="zh-CN" altLang="en-US" sz="1800" b="0" i="0" u="none" strike="noStrike" kern="1200" cap="none" spc="0" normalizeH="0" baseline="0" noProof="0">
+              <a:ln>
+                <a:noFill/>
+              </a:ln>
+              <a:solidFill>
+                <a:prstClr val="white"/>
+              </a:solidFill>
+              <a:effectLst/>
+              <a:uLnTx/>
+              <a:uFillTx/>
+              <a:cs typeface="+mn-ea"/>
+              <a:sym typeface="+mn-lt"/>
+            </a:endParaRPr>
+          </a:p>
+        </p:txBody>
+      </p:sp>
+      <p:sp>
+        <p:nvSpPr>
+          <p:cNvPr id="4" name="矩形: 圆角 3">
+            <a:extLst>
+              <a:ext uri="{FF2B5EF4-FFF2-40B4-BE49-F238E27FC236}">
+                <a16:creationId xmlns:a16="http://schemas.microsoft.com/office/drawing/2014/main" xmlns="" id="{CFAF4C25-9AB4-4329-B21C-0F7CB88F0784}"/>
+              </a:ext>
+            </a:extLst>
+          </p:cNvPr>
+          <p:cNvSpPr/>
+          <p:nvPr/>
+        </p:nvSpPr>
+        <p:spPr>
+          <a:xfrm rot="2684577">
+            <a:off x="2627892" y="-39108"/>
+            <a:ext cx="6936217" cy="6936217"/>
+          </a:xfrm>
+          <a:prstGeom prst="roundRect">
+            <a:avLst>
+              <a:gd name="adj" fmla="val 13360"/>
+            </a:avLst>
+          </a:prstGeom>
+          <a:solidFill>
+            <a:schemeClr val="bg1"/>
+          </a:solidFill>
+          <a:ln>
+            <a:noFill/>
+          </a:ln>
+          <a:effectLst>
+            <a:outerShdw blurRad="546100" sx="101000" sy="101000" algn="ctr" rotWithShape="0">
+              <a:schemeClr val="tx1">
+                <a:lumMod val="65000"/>
+                <a:lumOff val="35000"/>
+                <a:alpha val="19000"/>
+              </a:schemeClr>
+            </a:outerShdw>
+          </a:effectLst>
+        </p:spPr>
+        <p:style>
+          <a:lnRef idx="2">
+            <a:schemeClr val="accent1">
+              <a:shade val="50000"/>
+            </a:schemeClr>
+          </a:lnRef>
+          <a:fillRef idx="1">
+            <a:schemeClr val="accent1"/>
+          </a:fillRef>
+          <a:effectRef idx="0">
+            <a:schemeClr val="accent1"/>
+          </a:effectRef>
+          <a:fontRef idx="minor">
+            <a:schemeClr val="lt1"/>
+          </a:fontRef>
+        </p:style>
+        <p:txBody>
+          <a:bodyPr rtlCol="0" anchor="ctr"/>
+          <a:lstStyle/>
+          <a:p>
+            <a:pPr marL="0" marR="0" lvl="0" indent="0" algn="ctr" defTabSz="914400" rtl="0" eaLnBrk="1" fontAlgn="auto" latinLnBrk="0" hangingPunct="1">
+              <a:lnSpc>
+                <a:spcPct val="100000"/>
+              </a:lnSpc>
+              <a:spcBef>
+                <a:spcPts val="0"/>
+              </a:spcBef>
+              <a:spcAft>
+                <a:spcPts val="0"/>
+              </a:spcAft>
+              <a:buClrTx/>
+              <a:buSzTx/>
+              <a:buFontTx/>
+              <a:buNone/>
+              <a:tabLst/>
+              <a:defRPr/>
+            </a:pPr>
+            <a:endParaRPr kumimoji="0" lang="zh-CN" altLang="en-US" sz="1800" b="0" i="0" u="none" strike="noStrike" kern="1200" cap="none" spc="0" normalizeH="0" baseline="0" noProof="0">
+              <a:ln>
+                <a:noFill/>
+              </a:ln>
+              <a:solidFill>
+                <a:prstClr val="white"/>
+              </a:solidFill>
+              <a:effectLst/>
+              <a:uLnTx/>
+              <a:uFillTx/>
+              <a:cs typeface="+mn-ea"/>
+              <a:sym typeface="+mn-lt"/>
+            </a:endParaRPr>
+          </a:p>
+        </p:txBody>
+      </p:sp>
+      <p:sp>
+        <p:nvSpPr>
+          <p:cNvPr id="7" name="文本框 6">
+            <a:extLst>
+              <a:ext uri="{FF2B5EF4-FFF2-40B4-BE49-F238E27FC236}">
+                <a16:creationId xmlns:a16="http://schemas.microsoft.com/office/drawing/2014/main" xmlns="" id="{D2947702-0219-4F74-958A-0A5A704ECCC4}"/>
+              </a:ext>
+            </a:extLst>
+          </p:cNvPr>
+          <p:cNvSpPr txBox="1"/>
+          <p:nvPr/>
+        </p:nvSpPr>
+        <p:spPr>
+          <a:xfrm>
+            <a:off x="2730500" y="2967335"/>
+            <a:ext cx="6781800" cy="923330"/>
+          </a:xfrm>
+          <a:prstGeom prst="rect">
+            <a:avLst/>
+          </a:prstGeom>
+          <a:noFill/>
+        </p:spPr>
+        <p:txBody>
+          <a:bodyPr wrap="square" rtlCol="0">
+            <a:spAutoFit/>
+          </a:bodyPr>
+          <a:lstStyle/>
+          <a:p>
+            <a:pPr marL="0" marR="0" lvl="0" indent="0" algn="ctr" defTabSz="914400" rtl="0" eaLnBrk="1" fontAlgn="auto" latinLnBrk="0" hangingPunct="1">
+              <a:lnSpc>
+                <a:spcPct val="100000"/>
+              </a:lnSpc>
+              <a:spcBef>
+                <a:spcPts val="0"/>
+              </a:spcBef>
+              <a:spcAft>
+                <a:spcPts val="0"/>
+              </a:spcAft>
+              <a:buClrTx/>
+              <a:buSzTx/>
+              <a:buFontTx/>
+              <a:buNone/>
+              <a:tabLst/>
+              <a:defRPr/>
+            </a:pPr>
+            <a:r>
+              <a:rPr lang="zh-TW" altLang="en-US" sz="5400" spc="1000" dirty="0">
+                <a:solidFill>
+                  <a:prstClr val="black">
+                    <a:lumMod val="85000"/>
+                    <a:lumOff val="15000"/>
+                  </a:prstClr>
+                </a:solidFill>
+                <a:cs typeface="+mn-ea"/>
+                <a:sym typeface="+mn-lt"/>
+              </a:rPr>
+              <a:t>謝謝觀看</a:t>
+            </a:r>
+            <a:endParaRPr kumimoji="0" lang="zh-CN" altLang="en-US" sz="5400" b="0" i="0" u="none" strike="noStrike" kern="1200" cap="none" spc="1000" normalizeH="0" baseline="0" noProof="0" dirty="0">
+              <a:ln>
+                <a:noFill/>
+              </a:ln>
+              <a:solidFill>
+                <a:prstClr val="black">
+                  <a:lumMod val="85000"/>
+                  <a:lumOff val="15000"/>
+                </a:prstClr>
+              </a:solidFill>
+              <a:effectLst/>
+              <a:uLnTx/>
+              <a:uFillTx/>
+              <a:cs typeface="+mn-ea"/>
+              <a:sym typeface="+mn-lt"/>
+            </a:endParaRPr>
+          </a:p>
+        </p:txBody>
+      </p:sp>
+      <p:sp>
+        <p:nvSpPr>
+          <p:cNvPr id="8" name="椭圆 7">
+            <a:extLst>
+              <a:ext uri="{FF2B5EF4-FFF2-40B4-BE49-F238E27FC236}">
+                <a16:creationId xmlns:a16="http://schemas.microsoft.com/office/drawing/2014/main" xmlns="" id="{08B93554-9443-4291-83BC-91BEC5088783}"/>
+              </a:ext>
+            </a:extLst>
+          </p:cNvPr>
+          <p:cNvSpPr/>
+          <p:nvPr/>
+        </p:nvSpPr>
+        <p:spPr>
+          <a:xfrm>
+            <a:off x="683912" y="5242803"/>
+            <a:ext cx="1056397" cy="1056397"/>
+          </a:xfrm>
+          <a:prstGeom prst="ellipse">
+            <a:avLst/>
+          </a:prstGeom>
+          <a:solidFill>
+            <a:schemeClr val="bg1"/>
+          </a:solidFill>
+          <a:ln>
+            <a:noFill/>
+          </a:ln>
+          <a:effectLst>
+            <a:outerShdw blurRad="546100" sx="101000" sy="101000" algn="ctr" rotWithShape="0">
+              <a:prstClr val="black">
+                <a:alpha val="30000"/>
+              </a:prstClr>
+            </a:outerShdw>
+          </a:effectLst>
+        </p:spPr>
+        <p:style>
+          <a:lnRef idx="2">
+            <a:schemeClr val="accent1">
+              <a:shade val="50000"/>
+            </a:schemeClr>
+          </a:lnRef>
+          <a:fillRef idx="1">
+            <a:schemeClr val="accent1"/>
+          </a:fillRef>
+          <a:effectRef idx="0">
+            <a:schemeClr val="accent1"/>
+          </a:effectRef>
+          <a:fontRef idx="minor">
+            <a:schemeClr val="lt1"/>
+          </a:fontRef>
+        </p:style>
+        <p:txBody>
+          <a:bodyPr rtlCol="0" anchor="ctr"/>
+          <a:lstStyle/>
+          <a:p>
+            <a:pPr marL="0" marR="0" lvl="0" indent="0" algn="ctr" defTabSz="914400" rtl="0" eaLnBrk="1" fontAlgn="auto" latinLnBrk="0" hangingPunct="1">
+              <a:lnSpc>
+                <a:spcPct val="100000"/>
+              </a:lnSpc>
+              <a:spcBef>
+                <a:spcPts val="0"/>
+              </a:spcBef>
+              <a:spcAft>
+                <a:spcPts val="0"/>
+              </a:spcAft>
+              <a:buClrTx/>
+              <a:buSzTx/>
+              <a:buFontTx/>
+              <a:buNone/>
+              <a:tabLst/>
+              <a:defRPr/>
+            </a:pPr>
+            <a:endParaRPr kumimoji="0" lang="zh-CN" altLang="en-US" sz="1800" b="0" i="0" u="none" strike="noStrike" kern="1200" cap="none" spc="0" normalizeH="0" baseline="0" noProof="0">
+              <a:ln>
+                <a:noFill/>
+              </a:ln>
+              <a:solidFill>
+                <a:prstClr val="white"/>
+              </a:solidFill>
+              <a:effectLst/>
+              <a:uLnTx/>
+              <a:uFillTx/>
+              <a:cs typeface="+mn-ea"/>
+              <a:sym typeface="+mn-lt"/>
+            </a:endParaRPr>
+          </a:p>
+        </p:txBody>
+      </p:sp>
+      <p:sp>
+        <p:nvSpPr>
+          <p:cNvPr id="9" name="椭圆 8">
+            <a:extLst>
+              <a:ext uri="{FF2B5EF4-FFF2-40B4-BE49-F238E27FC236}">
+                <a16:creationId xmlns:a16="http://schemas.microsoft.com/office/drawing/2014/main" xmlns="" id="{16338DEE-2916-4AC7-A537-1507B9F2A824}"/>
+              </a:ext>
+            </a:extLst>
+          </p:cNvPr>
+          <p:cNvSpPr/>
+          <p:nvPr/>
+        </p:nvSpPr>
+        <p:spPr>
+          <a:xfrm>
+            <a:off x="10464448" y="933352"/>
+            <a:ext cx="563400" cy="563400"/>
+          </a:xfrm>
+          <a:prstGeom prst="ellipse">
+            <a:avLst/>
+          </a:prstGeom>
+          <a:solidFill>
+            <a:schemeClr val="bg1"/>
+          </a:solidFill>
+          <a:ln>
+            <a:noFill/>
+          </a:ln>
+          <a:effectLst>
+            <a:outerShdw blurRad="546100" sx="101000" sy="101000" algn="ctr" rotWithShape="0">
+              <a:prstClr val="black">
+                <a:alpha val="30000"/>
+              </a:prstClr>
+            </a:outerShdw>
+          </a:effectLst>
+        </p:spPr>
+        <p:style>
+          <a:lnRef idx="2">
+            <a:schemeClr val="accent1">
+              <a:shade val="50000"/>
+            </a:schemeClr>
+          </a:lnRef>
+          <a:fillRef idx="1">
+            <a:schemeClr val="accent1"/>
+          </a:fillRef>
+          <a:effectRef idx="0">
+            <a:schemeClr val="accent1"/>
+          </a:effectRef>
+          <a:fontRef idx="minor">
+            <a:schemeClr val="lt1"/>
+          </a:fontRef>
+        </p:style>
+        <p:txBody>
+          <a:bodyPr rtlCol="0" anchor="ctr"/>
+          <a:lstStyle/>
+          <a:p>
+            <a:pPr marL="0" marR="0" lvl="0" indent="0" algn="ctr" defTabSz="914400" rtl="0" eaLnBrk="1" fontAlgn="auto" latinLnBrk="0" hangingPunct="1">
+              <a:lnSpc>
+                <a:spcPct val="100000"/>
+              </a:lnSpc>
+              <a:spcBef>
+                <a:spcPts val="0"/>
+              </a:spcBef>
+              <a:spcAft>
+                <a:spcPts val="0"/>
+              </a:spcAft>
+              <a:buClrTx/>
+              <a:buSzTx/>
+              <a:buFontTx/>
+              <a:buNone/>
+              <a:tabLst/>
+              <a:defRPr/>
+            </a:pPr>
+            <a:endParaRPr kumimoji="0" lang="zh-CN" altLang="en-US" sz="1800" b="0" i="0" u="none" strike="noStrike" kern="1200" cap="none" spc="0" normalizeH="0" baseline="0" noProof="0">
+              <a:ln>
+                <a:noFill/>
+              </a:ln>
+              <a:solidFill>
+                <a:prstClr val="white"/>
+              </a:solidFill>
+              <a:effectLst/>
+              <a:uLnTx/>
+              <a:uFillTx/>
+              <a:cs typeface="+mn-ea"/>
+              <a:sym typeface="+mn-lt"/>
+            </a:endParaRPr>
+          </a:p>
+        </p:txBody>
+      </p:sp>
+    </p:spTree>
+    <p:custDataLst>
+      <p:tags r:id="rId1"/>
+    </p:custDataLst>
+    <p:extLst>
+      <p:ext uri="{BB962C8B-B14F-4D97-AF65-F5344CB8AC3E}">
+        <p14:creationId xmlns:p14="http://schemas.microsoft.com/office/powerpoint/2010/main" val="2184022013"/>
+      </p:ext>
+    </p:extLst>
+  </p:cSld>
+  <p:clrMapOvr>
+    <a:masterClrMapping/>
+  </p:clrMapOvr>
+  <mc:AlternateContent xmlns:mc="http://schemas.openxmlformats.org/markup-compatibility/2006" xmlns:p14="http://schemas.microsoft.com/office/powerpoint/2010/main">
+    <mc:Choice Requires="p14">
+      <p:transition spd="slow" p14:dur="1500" advTm="3880">
+        <p:random/>
+      </p:transition>
+    </mc:Choice>
+    <mc:Fallback xmlns:a16="http://schemas.microsoft.com/office/drawing/2014/main" xmlns="">
+      <p:transition spd="slow" advTm="3880">
+        <p:random/>
+      </p:transition>
+    </mc:Fallback>
+  </mc:AlternateContent>
+  <p:timing>
+    <p:tnLst>
+      <p:par>
+        <p:cTn id="1" dur="indefinite" restart="never" nodeType="tmRoot">
+          <p:childTnLst>
+            <p:seq concurrent="1" nextAc="seek">
+              <p:cTn id="2" dur="indefinite" nodeType="mainSeq">
+                <p:childTnLst>
+                  <p:par>
+                    <p:cTn id="3" fill="hold">
+                      <p:stCondLst>
+                        <p:cond delay="indefinite"/>
+                      </p:stCondLst>
+                      <p:childTnLst>
+                        <p:par>
+                          <p:cTn id="4" fill="hold">
+                            <p:stCondLst>
+                              <p:cond delay="0"/>
+                            </p:stCondLst>
+                            <p:childTnLst>
+                              <p:par>
+                                <p:cTn id="5" presetID="42" presetClass="entr" presetSubtype="0" fill="hold" grpId="0" nodeType="clickEffect">
+                                  <p:stCondLst>
+                                    <p:cond delay="0"/>
+                                  </p:stCondLst>
+                                  <p:childTnLst>
+                                    <p:set>
+                                      <p:cBhvr>
+                                        <p:cTn id="6" dur="1" fill="hold">
+                                          <p:stCondLst>
+                                            <p:cond delay="0"/>
+                                          </p:stCondLst>
+                                        </p:cTn>
+                                        <p:tgtEl>
+                                          <p:spTgt spid="7"/>
+                                        </p:tgtEl>
+                                        <p:attrNameLst>
+                                          <p:attrName>style.visibility</p:attrName>
+                                        </p:attrNameLst>
+                                      </p:cBhvr>
+                                      <p:to>
+                                        <p:strVal val="visible"/>
+                                      </p:to>
+                                    </p:set>
+                                    <p:animEffect transition="in" filter="fade">
+                                      <p:cBhvr>
+                                        <p:cTn id="7" dur="1000"/>
+                                        <p:tgtEl>
+                                          <p:spTgt spid="7"/>
+                                        </p:tgtEl>
+                                      </p:cBhvr>
+                                    </p:animEffect>
+                                    <p:anim calcmode="lin" valueType="num">
+                                      <p:cBhvr>
+                                        <p:cTn id="8" dur="1000" fill="hold"/>
+                                        <p:tgtEl>
+                                          <p:spTgt spid="7"/>
+                                        </p:tgtEl>
+                                        <p:attrNameLst>
+                                          <p:attrName>ppt_x</p:attrName>
+                                        </p:attrNameLst>
+                                      </p:cBhvr>
+                                      <p:tavLst>
+                                        <p:tav tm="0">
+                                          <p:val>
+                                            <p:strVal val="#ppt_x"/>
+                                          </p:val>
+                                        </p:tav>
+                                        <p:tav tm="100000">
+                                          <p:val>
+                                            <p:strVal val="#ppt_x"/>
+                                          </p:val>
+                                        </p:tav>
+                                      </p:tavLst>
+                                    </p:anim>
+                                    <p:anim calcmode="lin" valueType="num">
+                                      <p:cBhvr>
+                                        <p:cTn id="9" dur="1000" fill="hold"/>
+                                        <p:tgtEl>
+                                          <p:spTgt spid="7"/>
+                                        </p:tgtEl>
+                                        <p:attrNameLst>
+                                          <p:attrName>ppt_y</p:attrName>
+                                        </p:attrNameLst>
+                                      </p:cBhvr>
+                                      <p:tavLst>
+                                        <p:tav tm="0">
+                                          <p:val>
+                                            <p:strVal val="#ppt_y+.1"/>
+                                          </p:val>
+                                        </p:tav>
+                                        <p:tav tm="100000">
+                                          <p:val>
+                                            <p:strVal val="#ppt_y"/>
+                                          </p:val>
+                                        </p:tav>
+                                      </p:tavLst>
+                                    </p:anim>
+                                  </p:childTnLst>
+                                </p:cTn>
+                              </p:par>
+                            </p:childTnLst>
+                          </p:cTn>
+                        </p:par>
+                      </p:childTnLst>
+                    </p:cTn>
+                  </p:par>
+                </p:childTnLst>
+              </p:cTn>
+              <p:prevCondLst>
+                <p:cond evt="onPrev" delay="0">
+                  <p:tgtEl>
+                    <p:sldTgt/>
+                  </p:tgtEl>
+                </p:cond>
+              </p:prevCondLst>
+              <p:nextCondLst>
+                <p:cond evt="onNext" delay="0">
+                  <p:tgtEl>
+                    <p:sldTgt/>
+                  </p:tgtEl>
+                </p:cond>
+              </p:nextCondLst>
+            </p:seq>
+          </p:childTnLst>
+        </p:cTn>
+      </p:par>
+    </p:tnLst>
+    <p:bldLst>
+      <p:bldP spid="7" grpId="0"/>
+    </p:bldLst>
+  </p:timing>
+</p:sld>
+</file>
+
 <file path=ppt/slides/slide2.xml><?xml version="1.0" encoding="utf-8"?>
 <p:sld xmlns:a="http://schemas.openxmlformats.org/drawingml/2006/main" xmlns:r="http://schemas.openxmlformats.org/officeDocument/2006/relationships" xmlns:p="http://schemas.openxmlformats.org/presentationml/2006/main">
   <p:cSld>
@@ -5689,7 +6288,7 @@
           <p:cNvPr id="7" name="组合 6">
             <a:extLst>
               <a:ext uri="{FF2B5EF4-FFF2-40B4-BE49-F238E27FC236}">
-                <a16:creationId xmlns:a16="http://schemas.microsoft.com/office/drawing/2014/main" id="{5016DF47-4C78-4917-983C-FFC43C3A22DB}"/>
+                <a16:creationId xmlns:a16="http://schemas.microsoft.com/office/drawing/2014/main" xmlns="" id="{5016DF47-4C78-4917-983C-FFC43C3A22DB}"/>
               </a:ext>
             </a:extLst>
           </p:cNvPr>
@@ -5709,7 +6308,7 @@
             <p:cNvPr id="4" name="文本框 3">
               <a:extLst>
                 <a:ext uri="{FF2B5EF4-FFF2-40B4-BE49-F238E27FC236}">
-                  <a16:creationId xmlns:a16="http://schemas.microsoft.com/office/drawing/2014/main" id="{09FE6907-8676-429A-9B5A-DC3FAFE110A8}"/>
+                  <a16:creationId xmlns:a16="http://schemas.microsoft.com/office/drawing/2014/main" xmlns="" id="{09FE6907-8676-429A-9B5A-DC3FAFE110A8}"/>
                 </a:ext>
               </a:extLst>
             </p:cNvPr>
@@ -5751,7 +6350,7 @@
             <p:cNvPr id="6" name="文本框 5">
               <a:extLst>
                 <a:ext uri="{FF2B5EF4-FFF2-40B4-BE49-F238E27FC236}">
-                  <a16:creationId xmlns:a16="http://schemas.microsoft.com/office/drawing/2014/main" id="{6123FD62-F930-464F-86A1-4D1030B58358}"/>
+                  <a16:creationId xmlns:a16="http://schemas.microsoft.com/office/drawing/2014/main" xmlns="" id="{6123FD62-F930-464F-86A1-4D1030B58358}"/>
                 </a:ext>
               </a:extLst>
             </p:cNvPr>
@@ -5801,7 +6400,7 @@
           <p:cNvPr id="8" name="文本框 7">
             <a:extLst>
               <a:ext uri="{FF2B5EF4-FFF2-40B4-BE49-F238E27FC236}">
-                <a16:creationId xmlns:a16="http://schemas.microsoft.com/office/drawing/2014/main" id="{61D68AC2-6217-4618-9FF2-2840E7AAD8C2}"/>
+                <a16:creationId xmlns:a16="http://schemas.microsoft.com/office/drawing/2014/main" xmlns="" id="{61D68AC2-6217-4618-9FF2-2840E7AAD8C2}"/>
               </a:ext>
             </a:extLst>
           </p:cNvPr>
@@ -5810,7 +6409,7 @@
         </p:nvSpPr>
         <p:spPr>
           <a:xfrm>
-            <a:off x="705687" y="1588222"/>
+            <a:off x="705687" y="1188112"/>
             <a:ext cx="1657951" cy="400110"/>
           </a:xfrm>
           <a:prstGeom prst="rect">
@@ -5883,7 +6482,7 @@
         </p:nvSpPr>
         <p:spPr>
           <a:xfrm>
-            <a:off x="828136" y="2156604"/>
+            <a:off x="828136" y="1756494"/>
             <a:ext cx="3925019" cy="2031325"/>
           </a:xfrm>
           <a:prstGeom prst="rect">
@@ -5968,7 +6567,7 @@
           <p:cNvPr id="9" name="文本框 7">
             <a:extLst>
               <a:ext uri="{FF2B5EF4-FFF2-40B4-BE49-F238E27FC236}">
-                <a16:creationId xmlns:a16="http://schemas.microsoft.com/office/drawing/2014/main" id="{61D68AC2-6217-4618-9FF2-2840E7AAD8C2}"/>
+                <a16:creationId xmlns:a16="http://schemas.microsoft.com/office/drawing/2014/main" xmlns="" id="{61D68AC2-6217-4618-9FF2-2840E7AAD8C2}"/>
               </a:ext>
             </a:extLst>
           </p:cNvPr>
@@ -5977,7 +6576,7 @@
         </p:nvSpPr>
         <p:spPr>
           <a:xfrm>
-            <a:off x="705687" y="4570086"/>
+            <a:off x="705687" y="4023155"/>
             <a:ext cx="1088608" cy="400110"/>
           </a:xfrm>
           <a:prstGeom prst="rect">
@@ -5998,10 +6597,76 @@
               </a:rPr>
               <a:t>7/27</a:t>
             </a:r>
-            <a:endParaRPr lang="en-US" altLang="zh-TW" sz="2000" spc="400" dirty="0" smtClean="0">
-              <a:cs typeface="+mn-ea"/>
-              <a:sym typeface="+mn-lt"/>
-            </a:endParaRPr>
+          </a:p>
+        </p:txBody>
+      </p:sp>
+      <p:sp>
+        <p:nvSpPr>
+          <p:cNvPr id="11" name="文字方塊 10"/>
+          <p:cNvSpPr txBox="1"/>
+          <p:nvPr/>
+        </p:nvSpPr>
+        <p:spPr>
+          <a:xfrm>
+            <a:off x="836360" y="4626456"/>
+            <a:ext cx="4744044" cy="1477328"/>
+          </a:xfrm>
+          <a:prstGeom prst="rect">
+            <a:avLst/>
+          </a:prstGeom>
+          <a:noFill/>
+        </p:spPr>
+        <p:txBody>
+          <a:bodyPr wrap="square" rtlCol="0">
+            <a:spAutoFit/>
+          </a:bodyPr>
+          <a:lstStyle/>
+          <a:p>
+            <a:pPr marL="285750" indent="-285750">
+              <a:buFont typeface="Wingdings" panose="05000000000000000000" pitchFamily="2" charset="2"/>
+              <a:buChar char="l"/>
+            </a:pPr>
+            <a:r>
+              <a:rPr lang="zh-TW" altLang="en-US" dirty="0" smtClean="0"/>
+              <a:t>光控設計新增表格</a:t>
+            </a:r>
+            <a:endParaRPr lang="en-US" altLang="zh-TW" dirty="0" smtClean="0"/>
+          </a:p>
+          <a:p>
+            <a:pPr marL="285750" indent="-285750">
+              <a:buFont typeface="Wingdings" panose="05000000000000000000" pitchFamily="2" charset="2"/>
+              <a:buChar char="l"/>
+            </a:pPr>
+            <a:endParaRPr lang="en-US" altLang="zh-TW" dirty="0"/>
+          </a:p>
+          <a:p>
+            <a:pPr marL="285750" indent="-285750">
+              <a:buFont typeface="Wingdings" panose="05000000000000000000" pitchFamily="2" charset="2"/>
+              <a:buChar char="l"/>
+            </a:pPr>
+            <a:r>
+              <a:rPr lang="zh-TW" altLang="en-US" dirty="0" smtClean="0"/>
+              <a:t>修改溫控設計的合計</a:t>
+            </a:r>
+            <a:endParaRPr lang="en-US" altLang="zh-TW" dirty="0" smtClean="0"/>
+          </a:p>
+          <a:p>
+            <a:pPr marL="285750" indent="-285750">
+              <a:buFont typeface="Wingdings" panose="05000000000000000000" pitchFamily="2" charset="2"/>
+              <a:buChar char="l"/>
+            </a:pPr>
+            <a:endParaRPr lang="en-US" altLang="zh-TW" dirty="0"/>
+          </a:p>
+          <a:p>
+            <a:pPr marL="285750" indent="-285750">
+              <a:buFont typeface="Wingdings" panose="05000000000000000000" pitchFamily="2" charset="2"/>
+              <a:buChar char="l"/>
+            </a:pPr>
+            <a:r>
+              <a:rPr lang="zh-TW" altLang="en-US" dirty="0" smtClean="0"/>
+              <a:t>將光溫控設計的表格複製到光溫環境分析</a:t>
+            </a:r>
+            <a:endParaRPr lang="zh-TW" altLang="en-US" dirty="0"/>
           </a:p>
         </p:txBody>
       </p:sp>
@@ -6024,7 +6689,7 @@
         <p:random/>
       </p:transition>
     </mc:Choice>
-    <mc:Fallback xmlns="" xmlns:a16="http://schemas.microsoft.com/office/drawing/2014/main" xmlns:a14="http://schemas.microsoft.com/office/drawing/2010/main">
+    <mc:Fallback xmlns:a14="http://schemas.microsoft.com/office/drawing/2010/main" xmlns:a16="http://schemas.microsoft.com/office/drawing/2014/main" xmlns="">
       <p:transition spd="slow" advTm="4024">
         <p:random/>
       </p:transition>
@@ -6248,7 +6913,7 @@
           <p:cNvPr id="2" name="矩形 1">
             <a:extLst>
               <a:ext uri="{FF2B5EF4-FFF2-40B4-BE49-F238E27FC236}">
-                <a16:creationId xmlns:a16="http://schemas.microsoft.com/office/drawing/2014/main" id="{6130B33B-FCB5-4AFA-8175-BA08126D80E1}"/>
+                <a16:creationId xmlns:a16="http://schemas.microsoft.com/office/drawing/2014/main" xmlns="" id="{6130B33B-FCB5-4AFA-8175-BA08126D80E1}"/>
               </a:ext>
             </a:extLst>
           </p:cNvPr>
@@ -6306,7 +6971,7 @@
           <p:cNvPr id="3" name="组合 2">
             <a:extLst>
               <a:ext uri="{FF2B5EF4-FFF2-40B4-BE49-F238E27FC236}">
-                <a16:creationId xmlns:a16="http://schemas.microsoft.com/office/drawing/2014/main" id="{CF3B8F59-C87E-48F7-911B-3FCC3B1922F9}"/>
+                <a16:creationId xmlns:a16="http://schemas.microsoft.com/office/drawing/2014/main" xmlns="" id="{CF3B8F59-C87E-48F7-911B-3FCC3B1922F9}"/>
               </a:ext>
             </a:extLst>
           </p:cNvPr>
@@ -6326,7 +6991,7 @@
             <p:cNvPr id="4" name="文本框 3">
               <a:extLst>
                 <a:ext uri="{FF2B5EF4-FFF2-40B4-BE49-F238E27FC236}">
-                  <a16:creationId xmlns:a16="http://schemas.microsoft.com/office/drawing/2014/main" id="{F069F7C5-7C6B-4416-BA43-7E9FF2B95F70}"/>
+                  <a16:creationId xmlns:a16="http://schemas.microsoft.com/office/drawing/2014/main" xmlns="" id="{F069F7C5-7C6B-4416-BA43-7E9FF2B95F70}"/>
                 </a:ext>
               </a:extLst>
             </p:cNvPr>
@@ -6369,7 +7034,7 @@
             <p:cNvPr id="5" name="文本框 4">
               <a:extLst>
                 <a:ext uri="{FF2B5EF4-FFF2-40B4-BE49-F238E27FC236}">
-                  <a16:creationId xmlns:a16="http://schemas.microsoft.com/office/drawing/2014/main" id="{E7404F6D-3A40-4203-8F0A-6169C74FB4CA}"/>
+                  <a16:creationId xmlns:a16="http://schemas.microsoft.com/office/drawing/2014/main" xmlns="" id="{E7404F6D-3A40-4203-8F0A-6169C74FB4CA}"/>
                 </a:ext>
               </a:extLst>
             </p:cNvPr>
@@ -6512,7 +7177,7 @@
         <p:random/>
       </p:transition>
     </mc:Choice>
-    <mc:Fallback xmlns="" xmlns:a16="http://schemas.microsoft.com/office/drawing/2014/main" xmlns:a14="http://schemas.microsoft.com/office/drawing/2010/main">
+    <mc:Fallback xmlns:a14="http://schemas.microsoft.com/office/drawing/2010/main" xmlns:a16="http://schemas.microsoft.com/office/drawing/2014/main" xmlns="">
       <p:transition spd="slow" advTm="3414">
         <p:random/>
       </p:transition>
@@ -6682,7 +7347,7 @@
           <p:cNvPr id="2" name="矩形 1">
             <a:extLst>
               <a:ext uri="{FF2B5EF4-FFF2-40B4-BE49-F238E27FC236}">
-                <a16:creationId xmlns:a16="http://schemas.microsoft.com/office/drawing/2014/main" id="{6130B33B-FCB5-4AFA-8175-BA08126D80E1}"/>
+                <a16:creationId xmlns:a16="http://schemas.microsoft.com/office/drawing/2014/main" xmlns="" id="{6130B33B-FCB5-4AFA-8175-BA08126D80E1}"/>
               </a:ext>
             </a:extLst>
           </p:cNvPr>
@@ -6740,7 +7405,7 @@
           <p:cNvPr id="3" name="组合 2">
             <a:extLst>
               <a:ext uri="{FF2B5EF4-FFF2-40B4-BE49-F238E27FC236}">
-                <a16:creationId xmlns:a16="http://schemas.microsoft.com/office/drawing/2014/main" id="{CF3B8F59-C87E-48F7-911B-3FCC3B1922F9}"/>
+                <a16:creationId xmlns:a16="http://schemas.microsoft.com/office/drawing/2014/main" xmlns="" id="{CF3B8F59-C87E-48F7-911B-3FCC3B1922F9}"/>
               </a:ext>
             </a:extLst>
           </p:cNvPr>
@@ -6760,7 +7425,7 @@
             <p:cNvPr id="4" name="文本框 3">
               <a:extLst>
                 <a:ext uri="{FF2B5EF4-FFF2-40B4-BE49-F238E27FC236}">
-                  <a16:creationId xmlns:a16="http://schemas.microsoft.com/office/drawing/2014/main" id="{F069F7C5-7C6B-4416-BA43-7E9FF2B95F70}"/>
+                  <a16:creationId xmlns:a16="http://schemas.microsoft.com/office/drawing/2014/main" xmlns="" id="{F069F7C5-7C6B-4416-BA43-7E9FF2B95F70}"/>
                 </a:ext>
               </a:extLst>
             </p:cNvPr>
@@ -6796,7 +7461,7 @@
             <p:cNvPr id="5" name="文本框 4">
               <a:extLst>
                 <a:ext uri="{FF2B5EF4-FFF2-40B4-BE49-F238E27FC236}">
-                  <a16:creationId xmlns:a16="http://schemas.microsoft.com/office/drawing/2014/main" id="{E7404F6D-3A40-4203-8F0A-6169C74FB4CA}"/>
+                  <a16:creationId xmlns:a16="http://schemas.microsoft.com/office/drawing/2014/main" xmlns="" id="{E7404F6D-3A40-4203-8F0A-6169C74FB4CA}"/>
                 </a:ext>
               </a:extLst>
             </p:cNvPr>
@@ -6955,7 +7620,7 @@
         <p:random/>
       </p:transition>
     </mc:Choice>
-    <mc:Fallback xmlns="" xmlns:a16="http://schemas.microsoft.com/office/drawing/2014/main" xmlns:a14="http://schemas.microsoft.com/office/drawing/2010/main">
+    <mc:Fallback xmlns:a14="http://schemas.microsoft.com/office/drawing/2010/main" xmlns:a16="http://schemas.microsoft.com/office/drawing/2014/main" xmlns="">
       <p:transition spd="slow" advTm="3414">
         <p:random/>
       </p:transition>
@@ -7125,7 +7790,7 @@
           <p:cNvPr id="2" name="矩形 1">
             <a:extLst>
               <a:ext uri="{FF2B5EF4-FFF2-40B4-BE49-F238E27FC236}">
-                <a16:creationId xmlns:a16="http://schemas.microsoft.com/office/drawing/2014/main" id="{6130B33B-FCB5-4AFA-8175-BA08126D80E1}"/>
+                <a16:creationId xmlns:a16="http://schemas.microsoft.com/office/drawing/2014/main" xmlns="" id="{6130B33B-FCB5-4AFA-8175-BA08126D80E1}"/>
               </a:ext>
             </a:extLst>
           </p:cNvPr>
@@ -7183,7 +7848,7 @@
           <p:cNvPr id="3" name="组合 2">
             <a:extLst>
               <a:ext uri="{FF2B5EF4-FFF2-40B4-BE49-F238E27FC236}">
-                <a16:creationId xmlns:a16="http://schemas.microsoft.com/office/drawing/2014/main" id="{CF3B8F59-C87E-48F7-911B-3FCC3B1922F9}"/>
+                <a16:creationId xmlns:a16="http://schemas.microsoft.com/office/drawing/2014/main" xmlns="" id="{CF3B8F59-C87E-48F7-911B-3FCC3B1922F9}"/>
               </a:ext>
             </a:extLst>
           </p:cNvPr>
@@ -7203,7 +7868,7 @@
             <p:cNvPr id="4" name="文本框 3">
               <a:extLst>
                 <a:ext uri="{FF2B5EF4-FFF2-40B4-BE49-F238E27FC236}">
-                  <a16:creationId xmlns:a16="http://schemas.microsoft.com/office/drawing/2014/main" id="{F069F7C5-7C6B-4416-BA43-7E9FF2B95F70}"/>
+                  <a16:creationId xmlns:a16="http://schemas.microsoft.com/office/drawing/2014/main" xmlns="" id="{F069F7C5-7C6B-4416-BA43-7E9FF2B95F70}"/>
                 </a:ext>
               </a:extLst>
             </p:cNvPr>
@@ -7239,7 +7904,7 @@
             <p:cNvPr id="5" name="文本框 4">
               <a:extLst>
                 <a:ext uri="{FF2B5EF4-FFF2-40B4-BE49-F238E27FC236}">
-                  <a16:creationId xmlns:a16="http://schemas.microsoft.com/office/drawing/2014/main" id="{E7404F6D-3A40-4203-8F0A-6169C74FB4CA}"/>
+                  <a16:creationId xmlns:a16="http://schemas.microsoft.com/office/drawing/2014/main" xmlns="" id="{E7404F6D-3A40-4203-8F0A-6169C74FB4CA}"/>
                 </a:ext>
               </a:extLst>
             </p:cNvPr>
@@ -7468,7 +8133,7 @@
         <p:random/>
       </p:transition>
     </mc:Choice>
-    <mc:Fallback xmlns="" xmlns:a16="http://schemas.microsoft.com/office/drawing/2014/main" xmlns:a14="http://schemas.microsoft.com/office/drawing/2010/main">
+    <mc:Fallback xmlns:a14="http://schemas.microsoft.com/office/drawing/2010/main" xmlns:a16="http://schemas.microsoft.com/office/drawing/2014/main" xmlns="">
       <p:transition spd="slow" advTm="3414">
         <p:random/>
       </p:transition>
@@ -7638,7 +8303,7 @@
           <p:cNvPr id="2" name="矩形 1">
             <a:extLst>
               <a:ext uri="{FF2B5EF4-FFF2-40B4-BE49-F238E27FC236}">
-                <a16:creationId xmlns:a16="http://schemas.microsoft.com/office/drawing/2014/main" id="{6130B33B-FCB5-4AFA-8175-BA08126D80E1}"/>
+                <a16:creationId xmlns:a16="http://schemas.microsoft.com/office/drawing/2014/main" xmlns="" id="{6130B33B-FCB5-4AFA-8175-BA08126D80E1}"/>
               </a:ext>
             </a:extLst>
           </p:cNvPr>
@@ -7696,7 +8361,7 @@
           <p:cNvPr id="3" name="组合 2">
             <a:extLst>
               <a:ext uri="{FF2B5EF4-FFF2-40B4-BE49-F238E27FC236}">
-                <a16:creationId xmlns:a16="http://schemas.microsoft.com/office/drawing/2014/main" id="{CF3B8F59-C87E-48F7-911B-3FCC3B1922F9}"/>
+                <a16:creationId xmlns:a16="http://schemas.microsoft.com/office/drawing/2014/main" xmlns="" id="{CF3B8F59-C87E-48F7-911B-3FCC3B1922F9}"/>
               </a:ext>
             </a:extLst>
           </p:cNvPr>
@@ -7716,7 +8381,7 @@
             <p:cNvPr id="4" name="文本框 3">
               <a:extLst>
                 <a:ext uri="{FF2B5EF4-FFF2-40B4-BE49-F238E27FC236}">
-                  <a16:creationId xmlns:a16="http://schemas.microsoft.com/office/drawing/2014/main" id="{F069F7C5-7C6B-4416-BA43-7E9FF2B95F70}"/>
+                  <a16:creationId xmlns:a16="http://schemas.microsoft.com/office/drawing/2014/main" xmlns="" id="{F069F7C5-7C6B-4416-BA43-7E9FF2B95F70}"/>
                 </a:ext>
               </a:extLst>
             </p:cNvPr>
@@ -7752,7 +8417,7 @@
             <p:cNvPr id="5" name="文本框 4">
               <a:extLst>
                 <a:ext uri="{FF2B5EF4-FFF2-40B4-BE49-F238E27FC236}">
-                  <a16:creationId xmlns:a16="http://schemas.microsoft.com/office/drawing/2014/main" id="{E7404F6D-3A40-4203-8F0A-6169C74FB4CA}"/>
+                  <a16:creationId xmlns:a16="http://schemas.microsoft.com/office/drawing/2014/main" xmlns="" id="{E7404F6D-3A40-4203-8F0A-6169C74FB4CA}"/>
                 </a:ext>
               </a:extLst>
             </p:cNvPr>
@@ -7865,7 +8530,7 @@
         <p:random/>
       </p:transition>
     </mc:Choice>
-    <mc:Fallback xmlns="" xmlns:a16="http://schemas.microsoft.com/office/drawing/2014/main" xmlns:a14="http://schemas.microsoft.com/office/drawing/2010/main">
+    <mc:Fallback xmlns:a14="http://schemas.microsoft.com/office/drawing/2010/main" xmlns:a16="http://schemas.microsoft.com/office/drawing/2014/main" xmlns="">
       <p:transition spd="slow" advTm="3414">
         <p:random/>
       </p:transition>
@@ -8032,10 +8697,10 @@
       </p:grpSpPr>
       <p:sp>
         <p:nvSpPr>
-          <p:cNvPr id="18" name="矩形: 圆角 17">
+          <p:cNvPr id="2" name="矩形 1">
             <a:extLst>
               <a:ext uri="{FF2B5EF4-FFF2-40B4-BE49-F238E27FC236}">
-                <a16:creationId xmlns:a16="http://schemas.microsoft.com/office/drawing/2014/main" id="{822EAB1A-0613-4B84-B43A-020769A84C2F}"/>
+                <a16:creationId xmlns:a16="http://schemas.microsoft.com/office/drawing/2014/main" xmlns="" id="{6130B33B-FCB5-4AFA-8175-BA08126D80E1}"/>
               </a:ext>
             </a:extLst>
           </p:cNvPr>
@@ -8043,30 +8708,22 @@
           <p:nvPr/>
         </p:nvSpPr>
         <p:spPr>
-          <a:xfrm rot="2684577">
-            <a:off x="1698063" y="-917755"/>
-            <a:ext cx="8693513" cy="8693513"/>
+          <a:xfrm>
+            <a:off x="5115464" y="279280"/>
+            <a:ext cx="2133600" cy="228600"/>
           </a:xfrm>
-          <a:prstGeom prst="roundRect">
-            <a:avLst>
-              <a:gd name="adj" fmla="val 13360"/>
-            </a:avLst>
+          <a:prstGeom prst="rect">
+            <a:avLst/>
           </a:prstGeom>
           <a:solidFill>
-            <a:schemeClr val="bg1"/>
+            <a:schemeClr val="tx1">
+              <a:lumMod val="75000"/>
+              <a:lumOff val="25000"/>
+            </a:schemeClr>
           </a:solidFill>
           <a:ln>
             <a:noFill/>
           </a:ln>
-          <a:effectLst>
-            <a:outerShdw blurRad="546100" sx="101000" sy="101000" algn="ctr" rotWithShape="0">
-              <a:schemeClr val="tx1">
-                <a:lumMod val="65000"/>
-                <a:lumOff val="35000"/>
-                <a:alpha val="19000"/>
-              </a:schemeClr>
-            </a:outerShdw>
-          </a:effectLst>
         </p:spPr>
         <p:style>
           <a:lnRef idx="2">
@@ -8088,76 +8745,193 @@
           <a:bodyPr rtlCol="0" anchor="ctr"/>
           <a:lstStyle/>
           <a:p>
-            <a:pPr marL="0" marR="0" lvl="0" indent="0" algn="ctr" defTabSz="914400" rtl="0" eaLnBrk="1" fontAlgn="auto" latinLnBrk="0" hangingPunct="1">
-              <a:lnSpc>
-                <a:spcPct val="100000"/>
-              </a:lnSpc>
-              <a:spcBef>
-                <a:spcPts val="0"/>
-              </a:spcBef>
-              <a:spcAft>
-                <a:spcPts val="0"/>
-              </a:spcAft>
-              <a:buClrTx/>
-              <a:buSzTx/>
-              <a:buFontTx/>
-              <a:buNone/>
-              <a:tabLst/>
-              <a:defRPr/>
-            </a:pPr>
-            <a:endParaRPr kumimoji="0" lang="zh-CN" altLang="en-US" sz="1800" b="0" i="0" u="none" strike="noStrike" kern="1200" cap="none" spc="0" normalizeH="0" baseline="0" noProof="0">
-              <a:ln>
-                <a:noFill/>
-              </a:ln>
-              <a:solidFill>
-                <a:prstClr val="white"/>
-              </a:solidFill>
-              <a:effectLst/>
-              <a:uLnTx/>
-              <a:uFillTx/>
+            <a:pPr algn="ctr"/>
+            <a:endParaRPr lang="zh-CN" altLang="en-US">
               <a:cs typeface="+mn-ea"/>
               <a:sym typeface="+mn-lt"/>
             </a:endParaRPr>
           </a:p>
         </p:txBody>
       </p:sp>
-      <p:sp>
-        <p:nvSpPr>
-          <p:cNvPr id="4" name="矩形: 圆角 3">
+      <p:grpSp>
+        <p:nvGrpSpPr>
+          <p:cNvPr id="3" name="组合 2">
             <a:extLst>
               <a:ext uri="{FF2B5EF4-FFF2-40B4-BE49-F238E27FC236}">
-                <a16:creationId xmlns:a16="http://schemas.microsoft.com/office/drawing/2014/main" id="{CFAF4C25-9AB4-4329-B21C-0F7CB88F0784}"/>
+                <a16:creationId xmlns:a16="http://schemas.microsoft.com/office/drawing/2014/main" xmlns="" id="{CF3B8F59-C87E-48F7-911B-3FCC3B1922F9}"/>
               </a:ext>
             </a:extLst>
           </p:cNvPr>
-          <p:cNvSpPr/>
+          <p:cNvGrpSpPr/>
           <p:nvPr/>
-        </p:nvSpPr>
-        <p:spPr>
-          <a:xfrm rot="2684577">
-            <a:off x="2627892" y="-39108"/>
-            <a:ext cx="6936217" cy="6936217"/>
+        </p:nvGrpSpPr>
+        <p:grpSpPr>
+          <a:xfrm>
+            <a:off x="3356227" y="639226"/>
+            <a:ext cx="5747037" cy="1046440"/>
+            <a:chOff x="793749" y="1991896"/>
+            <a:chExt cx="3458624" cy="1046440"/>
           </a:xfrm>
-          <a:prstGeom prst="roundRect">
-            <a:avLst>
-              <a:gd name="adj" fmla="val 13360"/>
-            </a:avLst>
+        </p:grpSpPr>
+        <p:sp>
+          <p:nvSpPr>
+            <p:cNvPr id="4" name="文本框 3">
+              <a:extLst>
+                <a:ext uri="{FF2B5EF4-FFF2-40B4-BE49-F238E27FC236}">
+                  <a16:creationId xmlns:a16="http://schemas.microsoft.com/office/drawing/2014/main" xmlns="" id="{F069F7C5-7C6B-4416-BA43-7E9FF2B95F70}"/>
+                </a:ext>
+              </a:extLst>
+            </p:cNvPr>
+            <p:cNvSpPr txBox="1"/>
+            <p:nvPr/>
+          </p:nvSpPr>
+          <p:spPr>
+            <a:xfrm>
+              <a:off x="1515030" y="1991896"/>
+              <a:ext cx="2737343" cy="707886"/>
+            </a:xfrm>
+            <a:prstGeom prst="rect">
+              <a:avLst/>
+            </a:prstGeom>
+            <a:noFill/>
+          </p:spPr>
+          <p:txBody>
+            <a:bodyPr wrap="square" rtlCol="0">
+              <a:spAutoFit/>
+            </a:bodyPr>
+            <a:lstStyle/>
+            <a:p>
+              <a:r>
+                <a:rPr lang="zh-TW" altLang="en-US" sz="4000" dirty="0" smtClean="0"/>
+                <a:t>光控</a:t>
+              </a:r>
+              <a:r>
+                <a:rPr lang="zh-TW" altLang="en-US" sz="4000" dirty="0"/>
+                <a:t>設計的表格</a:t>
+              </a:r>
+              <a:endParaRPr lang="en-US" altLang="zh-TW" sz="4000" dirty="0"/>
+            </a:p>
+          </p:txBody>
+        </p:sp>
+        <p:sp>
+          <p:nvSpPr>
+            <p:cNvPr id="5" name="文本框 4">
+              <a:extLst>
+                <a:ext uri="{FF2B5EF4-FFF2-40B4-BE49-F238E27FC236}">
+                  <a16:creationId xmlns:a16="http://schemas.microsoft.com/office/drawing/2014/main" xmlns="" id="{E7404F6D-3A40-4203-8F0A-6169C74FB4CA}"/>
+                </a:ext>
+              </a:extLst>
+            </p:cNvPr>
+            <p:cNvSpPr txBox="1"/>
+            <p:nvPr/>
+          </p:nvSpPr>
+          <p:spPr>
+            <a:xfrm>
+              <a:off x="793749" y="2699782"/>
+              <a:ext cx="3458623" cy="338554"/>
+            </a:xfrm>
+            <a:prstGeom prst="rect">
+              <a:avLst/>
+            </a:prstGeom>
+            <a:noFill/>
+          </p:spPr>
+          <p:txBody>
+            <a:bodyPr wrap="square">
+              <a:spAutoFit/>
+            </a:bodyPr>
+            <a:lstStyle/>
+            <a:p>
+              <a:pPr algn="ctr"/>
+              <a:r>
+                <a:rPr lang="en-US" altLang="zh-TW" sz="1600" dirty="0">
+                  <a:cs typeface="+mn-ea"/>
+                  <a:sym typeface="+mn-lt"/>
+                </a:rPr>
+                <a:t>Project </a:t>
+              </a:r>
+              <a:r>
+                <a:rPr lang="en-US" altLang="zh-TW" sz="1600" dirty="0" smtClean="0">
+                  <a:cs typeface="+mn-ea"/>
+                  <a:sym typeface="+mn-lt"/>
+                </a:rPr>
+                <a:t>adding</a:t>
+              </a:r>
+              <a:endParaRPr lang="zh-CN" altLang="en-US" sz="1600" dirty="0">
+                <a:cs typeface="+mn-ea"/>
+                <a:sym typeface="+mn-lt"/>
+              </a:endParaRPr>
+            </a:p>
+          </p:txBody>
+        </p:sp>
+      </p:grpSp>
+      <p:pic>
+        <p:nvPicPr>
+          <p:cNvPr id="1026" name="Picture 2"/>
+          <p:cNvPicPr>
+            <a:picLocks noChangeAspect="1" noChangeArrowheads="1"/>
+          </p:cNvPicPr>
+          <p:nvPr/>
+        </p:nvPicPr>
+        <p:blipFill>
+          <a:blip r:embed="rId3">
+            <a:extLst>
+              <a:ext uri="{28A0092B-C50C-407E-A947-70E740481C1C}">
+                <a14:useLocalDpi xmlns:a14="http://schemas.microsoft.com/office/drawing/2010/main" val="0"/>
+              </a:ext>
+            </a:extLst>
+          </a:blip>
+          <a:srcRect/>
+          <a:stretch>
+            <a:fillRect/>
+          </a:stretch>
+        </p:blipFill>
+        <p:spPr bwMode="auto">
+          <a:xfrm>
+            <a:off x="2376881" y="1685666"/>
+            <a:ext cx="7705725" cy="4819650"/>
+          </a:xfrm>
+          <a:prstGeom prst="rect">
+            <a:avLst/>
           </a:prstGeom>
-          <a:solidFill>
-            <a:schemeClr val="bg1"/>
-          </a:solidFill>
+          <a:noFill/>
           <a:ln>
             <a:noFill/>
           </a:ln>
-          <a:effectLst>
-            <a:outerShdw blurRad="546100" sx="101000" sy="101000" algn="ctr" rotWithShape="0">
-              <a:schemeClr val="tx1">
-                <a:lumMod val="65000"/>
-                <a:lumOff val="35000"/>
-                <a:alpha val="19000"/>
-              </a:schemeClr>
-            </a:outerShdw>
-          </a:effectLst>
+          <a:extLst>
+            <a:ext uri="{909E8E84-426E-40DD-AFC4-6F175D3DCCD1}">
+              <a14:hiddenFill xmlns:a14="http://schemas.microsoft.com/office/drawing/2010/main">
+                <a:solidFill>
+                  <a:schemeClr val="accent1"/>
+                </a:solidFill>
+              </a14:hiddenFill>
+            </a:ext>
+            <a:ext uri="{91240B29-F687-4F45-9708-019B960494DF}">
+              <a14:hiddenLine xmlns:a14="http://schemas.microsoft.com/office/drawing/2010/main" w="9525">
+                <a:solidFill>
+                  <a:schemeClr val="tx1"/>
+                </a:solidFill>
+                <a:miter lim="800000"/>
+                <a:headEnd/>
+                <a:tailEnd/>
+              </a14:hiddenLine>
+            </a:ext>
+          </a:extLst>
+        </p:spPr>
+      </p:pic>
+      <p:sp>
+        <p:nvSpPr>
+          <p:cNvPr id="6" name="向右箭號 5"/>
+          <p:cNvSpPr/>
+          <p:nvPr/>
+        </p:nvSpPr>
+        <p:spPr>
+          <a:xfrm>
+            <a:off x="1768979" y="5648770"/>
+            <a:ext cx="726393" cy="444381"/>
+          </a:xfrm>
+          <a:prstGeom prst="rightArrow">
+            <a:avLst/>
+          </a:prstGeom>
         </p:spPr>
         <p:style>
           <a:lnRef idx="2">
@@ -8179,55 +8953,21 @@
           <a:bodyPr rtlCol="0" anchor="ctr"/>
           <a:lstStyle/>
           <a:p>
-            <a:pPr marL="0" marR="0" lvl="0" indent="0" algn="ctr" defTabSz="914400" rtl="0" eaLnBrk="1" fontAlgn="auto" latinLnBrk="0" hangingPunct="1">
-              <a:lnSpc>
-                <a:spcPct val="100000"/>
-              </a:lnSpc>
-              <a:spcBef>
-                <a:spcPts val="0"/>
-              </a:spcBef>
-              <a:spcAft>
-                <a:spcPts val="0"/>
-              </a:spcAft>
-              <a:buClrTx/>
-              <a:buSzTx/>
-              <a:buFontTx/>
-              <a:buNone/>
-              <a:tabLst/>
-              <a:defRPr/>
-            </a:pPr>
-            <a:endParaRPr kumimoji="0" lang="zh-CN" altLang="en-US" sz="1800" b="0" i="0" u="none" strike="noStrike" kern="1200" cap="none" spc="0" normalizeH="0" baseline="0" noProof="0">
-              <a:ln>
-                <a:noFill/>
-              </a:ln>
-              <a:solidFill>
-                <a:prstClr val="white"/>
-              </a:solidFill>
-              <a:effectLst/>
-              <a:uLnTx/>
-              <a:uFillTx/>
-              <a:cs typeface="+mn-ea"/>
-              <a:sym typeface="+mn-lt"/>
-            </a:endParaRPr>
-          </a:p>
-        </p:txBody>
-      </p:sp>
-      <p:sp>
-        <p:nvSpPr>
-          <p:cNvPr id="7" name="文本框 6">
-            <a:extLst>
-              <a:ext uri="{FF2B5EF4-FFF2-40B4-BE49-F238E27FC236}">
-                <a16:creationId xmlns:a16="http://schemas.microsoft.com/office/drawing/2014/main" id="{D2947702-0219-4F74-958A-0A5A704ECCC4}"/>
-              </a:ext>
-            </a:extLst>
-          </p:cNvPr>
+            <a:pPr algn="ctr"/>
+            <a:endParaRPr lang="zh-TW" altLang="en-US"/>
+          </a:p>
+        </p:txBody>
+      </p:sp>
+      <p:sp>
+        <p:nvSpPr>
+          <p:cNvPr id="7" name="文字方塊 6"/>
           <p:cNvSpPr txBox="1"/>
           <p:nvPr/>
         </p:nvSpPr>
         <p:spPr>
           <a:xfrm>
-            <a:off x="2730500" y="2967335"/>
-            <a:ext cx="6781800" cy="923330"/>
+            <a:off x="553998" y="5686294"/>
+            <a:ext cx="1107996" cy="369332"/>
           </a:xfrm>
           <a:prstGeom prst="rect">
             <a:avLst/>
@@ -8235,231 +8975,16 @@
           <a:noFill/>
         </p:spPr>
         <p:txBody>
-          <a:bodyPr wrap="square" rtlCol="0">
+          <a:bodyPr wrap="none" rtlCol="0">
             <a:spAutoFit/>
           </a:bodyPr>
           <a:lstStyle/>
           <a:p>
-            <a:pPr marL="0" marR="0" lvl="0" indent="0" algn="ctr" defTabSz="914400" rtl="0" eaLnBrk="1" fontAlgn="auto" latinLnBrk="0" hangingPunct="1">
-              <a:lnSpc>
-                <a:spcPct val="100000"/>
-              </a:lnSpc>
-              <a:spcBef>
-                <a:spcPts val="0"/>
-              </a:spcBef>
-              <a:spcAft>
-                <a:spcPts val="0"/>
-              </a:spcAft>
-              <a:buClrTx/>
-              <a:buSzTx/>
-              <a:buFontTx/>
-              <a:buNone/>
-              <a:tabLst/>
-              <a:defRPr/>
-            </a:pPr>
             <a:r>
-              <a:rPr lang="zh-TW" altLang="en-US" sz="5400" spc="1000" dirty="0">
-                <a:solidFill>
-                  <a:prstClr val="black">
-                    <a:lumMod val="85000"/>
-                    <a:lumOff val="15000"/>
-                  </a:prstClr>
-                </a:solidFill>
-                <a:cs typeface="+mn-ea"/>
-                <a:sym typeface="+mn-lt"/>
-              </a:rPr>
-              <a:t>謝謝觀看</a:t>
+              <a:rPr lang="zh-TW" altLang="en-US" dirty="0" smtClean="0"/>
+              <a:t>新增表格</a:t>
             </a:r>
-            <a:endParaRPr kumimoji="0" lang="zh-CN" altLang="en-US" sz="5400" b="0" i="0" u="none" strike="noStrike" kern="1200" cap="none" spc="1000" normalizeH="0" baseline="0" noProof="0" dirty="0">
-              <a:ln>
-                <a:noFill/>
-              </a:ln>
-              <a:solidFill>
-                <a:prstClr val="black">
-                  <a:lumMod val="85000"/>
-                  <a:lumOff val="15000"/>
-                </a:prstClr>
-              </a:solidFill>
-              <a:effectLst/>
-              <a:uLnTx/>
-              <a:uFillTx/>
-              <a:cs typeface="+mn-ea"/>
-              <a:sym typeface="+mn-lt"/>
-            </a:endParaRPr>
-          </a:p>
-        </p:txBody>
-      </p:sp>
-      <p:sp>
-        <p:nvSpPr>
-          <p:cNvPr id="8" name="椭圆 7">
-            <a:extLst>
-              <a:ext uri="{FF2B5EF4-FFF2-40B4-BE49-F238E27FC236}">
-                <a16:creationId xmlns:a16="http://schemas.microsoft.com/office/drawing/2014/main" id="{08B93554-9443-4291-83BC-91BEC5088783}"/>
-              </a:ext>
-            </a:extLst>
-          </p:cNvPr>
-          <p:cNvSpPr/>
-          <p:nvPr/>
-        </p:nvSpPr>
-        <p:spPr>
-          <a:xfrm>
-            <a:off x="683912" y="5242803"/>
-            <a:ext cx="1056397" cy="1056397"/>
-          </a:xfrm>
-          <a:prstGeom prst="ellipse">
-            <a:avLst/>
-          </a:prstGeom>
-          <a:solidFill>
-            <a:schemeClr val="bg1"/>
-          </a:solidFill>
-          <a:ln>
-            <a:noFill/>
-          </a:ln>
-          <a:effectLst>
-            <a:outerShdw blurRad="546100" sx="101000" sy="101000" algn="ctr" rotWithShape="0">
-              <a:prstClr val="black">
-                <a:alpha val="30000"/>
-              </a:prstClr>
-            </a:outerShdw>
-          </a:effectLst>
-        </p:spPr>
-        <p:style>
-          <a:lnRef idx="2">
-            <a:schemeClr val="accent1">
-              <a:shade val="50000"/>
-            </a:schemeClr>
-          </a:lnRef>
-          <a:fillRef idx="1">
-            <a:schemeClr val="accent1"/>
-          </a:fillRef>
-          <a:effectRef idx="0">
-            <a:schemeClr val="accent1"/>
-          </a:effectRef>
-          <a:fontRef idx="minor">
-            <a:schemeClr val="lt1"/>
-          </a:fontRef>
-        </p:style>
-        <p:txBody>
-          <a:bodyPr rtlCol="0" anchor="ctr"/>
-          <a:lstStyle/>
-          <a:p>
-            <a:pPr marL="0" marR="0" lvl="0" indent="0" algn="ctr" defTabSz="914400" rtl="0" eaLnBrk="1" fontAlgn="auto" latinLnBrk="0" hangingPunct="1">
-              <a:lnSpc>
-                <a:spcPct val="100000"/>
-              </a:lnSpc>
-              <a:spcBef>
-                <a:spcPts val="0"/>
-              </a:spcBef>
-              <a:spcAft>
-                <a:spcPts val="0"/>
-              </a:spcAft>
-              <a:buClrTx/>
-              <a:buSzTx/>
-              <a:buFontTx/>
-              <a:buNone/>
-              <a:tabLst/>
-              <a:defRPr/>
-            </a:pPr>
-            <a:endParaRPr kumimoji="0" lang="zh-CN" altLang="en-US" sz="1800" b="0" i="0" u="none" strike="noStrike" kern="1200" cap="none" spc="0" normalizeH="0" baseline="0" noProof="0">
-              <a:ln>
-                <a:noFill/>
-              </a:ln>
-              <a:solidFill>
-                <a:prstClr val="white"/>
-              </a:solidFill>
-              <a:effectLst/>
-              <a:uLnTx/>
-              <a:uFillTx/>
-              <a:cs typeface="+mn-ea"/>
-              <a:sym typeface="+mn-lt"/>
-            </a:endParaRPr>
-          </a:p>
-        </p:txBody>
-      </p:sp>
-      <p:sp>
-        <p:nvSpPr>
-          <p:cNvPr id="9" name="椭圆 8">
-            <a:extLst>
-              <a:ext uri="{FF2B5EF4-FFF2-40B4-BE49-F238E27FC236}">
-                <a16:creationId xmlns:a16="http://schemas.microsoft.com/office/drawing/2014/main" id="{16338DEE-2916-4AC7-A537-1507B9F2A824}"/>
-              </a:ext>
-            </a:extLst>
-          </p:cNvPr>
-          <p:cNvSpPr/>
-          <p:nvPr/>
-        </p:nvSpPr>
-        <p:spPr>
-          <a:xfrm>
-            <a:off x="10464448" y="933352"/>
-            <a:ext cx="563400" cy="563400"/>
-          </a:xfrm>
-          <a:prstGeom prst="ellipse">
-            <a:avLst/>
-          </a:prstGeom>
-          <a:solidFill>
-            <a:schemeClr val="bg1"/>
-          </a:solidFill>
-          <a:ln>
-            <a:noFill/>
-          </a:ln>
-          <a:effectLst>
-            <a:outerShdw blurRad="546100" sx="101000" sy="101000" algn="ctr" rotWithShape="0">
-              <a:prstClr val="black">
-                <a:alpha val="30000"/>
-              </a:prstClr>
-            </a:outerShdw>
-          </a:effectLst>
-        </p:spPr>
-        <p:style>
-          <a:lnRef idx="2">
-            <a:schemeClr val="accent1">
-              <a:shade val="50000"/>
-            </a:schemeClr>
-          </a:lnRef>
-          <a:fillRef idx="1">
-            <a:schemeClr val="accent1"/>
-          </a:fillRef>
-          <a:effectRef idx="0">
-            <a:schemeClr val="accent1"/>
-          </a:effectRef>
-          <a:fontRef idx="minor">
-            <a:schemeClr val="lt1"/>
-          </a:fontRef>
-        </p:style>
-        <p:txBody>
-          <a:bodyPr rtlCol="0" anchor="ctr"/>
-          <a:lstStyle/>
-          <a:p>
-            <a:pPr marL="0" marR="0" lvl="0" indent="0" algn="ctr" defTabSz="914400" rtl="0" eaLnBrk="1" fontAlgn="auto" latinLnBrk="0" hangingPunct="1">
-              <a:lnSpc>
-                <a:spcPct val="100000"/>
-              </a:lnSpc>
-              <a:spcBef>
-                <a:spcPts val="0"/>
-              </a:spcBef>
-              <a:spcAft>
-                <a:spcPts val="0"/>
-              </a:spcAft>
-              <a:buClrTx/>
-              <a:buSzTx/>
-              <a:buFontTx/>
-              <a:buNone/>
-              <a:tabLst/>
-              <a:defRPr/>
-            </a:pPr>
-            <a:endParaRPr kumimoji="0" lang="zh-CN" altLang="en-US" sz="1800" b="0" i="0" u="none" strike="noStrike" kern="1200" cap="none" spc="0" normalizeH="0" baseline="0" noProof="0">
-              <a:ln>
-                <a:noFill/>
-              </a:ln>
-              <a:solidFill>
-                <a:prstClr val="white"/>
-              </a:solidFill>
-              <a:effectLst/>
-              <a:uLnTx/>
-              <a:uFillTx/>
-              <a:cs typeface="+mn-ea"/>
-              <a:sym typeface="+mn-lt"/>
-            </a:endParaRPr>
+            <a:endParaRPr lang="zh-TW" altLang="en-US" dirty="0"/>
           </a:p>
         </p:txBody>
       </p:sp>
@@ -8469,7 +8994,7 @@
     </p:custDataLst>
     <p:extLst>
       <p:ext uri="{BB962C8B-B14F-4D97-AF65-F5344CB8AC3E}">
-        <p14:creationId xmlns:p14="http://schemas.microsoft.com/office/powerpoint/2010/main" val="2184022013"/>
+        <p14:creationId xmlns:p14="http://schemas.microsoft.com/office/powerpoint/2010/main" val="504915856"/>
       </p:ext>
     </p:extLst>
   </p:cSld>
@@ -8478,12 +9003,12 @@
   </p:clrMapOvr>
   <mc:AlternateContent xmlns:mc="http://schemas.openxmlformats.org/markup-compatibility/2006" xmlns:p14="http://schemas.microsoft.com/office/powerpoint/2010/main">
     <mc:Choice Requires="p14">
-      <p:transition spd="slow" p14:dur="1500" advTm="3880">
+      <p:transition spd="slow" p14:dur="1500" advTm="3414">
         <p:random/>
       </p:transition>
     </mc:Choice>
-    <mc:Fallback xmlns="" xmlns:a16="http://schemas.microsoft.com/office/drawing/2014/main">
-      <p:transition spd="slow" advTm="3880">
+    <mc:Fallback xmlns:a14="http://schemas.microsoft.com/office/drawing/2010/main" xmlns:a16="http://schemas.microsoft.com/office/drawing/2014/main" xmlns="">
+      <p:transition spd="slow" advTm="3414">
         <p:random/>
       </p:transition>
     </mc:Fallback>
@@ -8509,7 +9034,7 @@
                             </p:stCondLst>
                             <p:childTnLst>
                               <p:par>
-                                <p:cTn id="5" presetID="42" presetClass="entr" presetSubtype="0" fill="hold" grpId="0" nodeType="clickEffect">
+                                <p:cTn id="5" presetID="16" presetClass="entr" presetSubtype="37" fill="hold" grpId="0" nodeType="clickEffect">
                                   <p:stCondLst>
                                     <p:cond delay="0"/>
                                   </p:stCondLst>
@@ -8522,7 +9047,7 @@
                                           </p:stCondLst>
                                         </p:cTn>
                                         <p:tgtEl>
-                                          <p:spTgt spid="7"/>
+                                          <p:spTgt spid="2"/>
                                         </p:tgtEl>
                                         <p:attrNameLst>
                                           <p:attrName>style.visibility</p:attrName>
@@ -8532,60 +9057,67 @@
                                         <p:strVal val="visible"/>
                                       </p:to>
                                     </p:set>
-                                    <p:animEffect transition="in" filter="fade">
+                                    <p:animEffect transition="in" filter="barn(outVertical)">
                                       <p:cBhvr>
-                                        <p:cTn id="7" dur="1000"/>
+                                        <p:cTn id="7" dur="500"/>
                                         <p:tgtEl>
-                                          <p:spTgt spid="7"/>
+                                          <p:spTgt spid="2"/>
                                         </p:tgtEl>
                                       </p:cBhvr>
                                     </p:animEffect>
-                                    <p:anim calcmode="lin" valueType="num">
+                                  </p:childTnLst>
+                                </p:cTn>
+                              </p:par>
+                            </p:childTnLst>
+                          </p:cTn>
+                        </p:par>
+                      </p:childTnLst>
+                    </p:cTn>
+                  </p:par>
+                  <p:par>
+                    <p:cTn id="8" fill="hold">
+                      <p:stCondLst>
+                        <p:cond delay="indefinite"/>
+                      </p:stCondLst>
+                      <p:childTnLst>
+                        <p:par>
+                          <p:cTn id="9" fill="hold">
+                            <p:stCondLst>
+                              <p:cond delay="0"/>
+                            </p:stCondLst>
+                            <p:childTnLst>
+                              <p:par>
+                                <p:cTn id="10" presetID="22" presetClass="entr" presetSubtype="8" fill="hold" nodeType="clickEffect">
+                                  <p:stCondLst>
+                                    <p:cond delay="0"/>
+                                  </p:stCondLst>
+                                  <p:childTnLst>
+                                    <p:set>
                                       <p:cBhvr>
-                                        <p:cTn id="8" dur="1000" fill="hold"/>
+                                        <p:cTn id="11" dur="1" fill="hold">
+                                          <p:stCondLst>
+                                            <p:cond delay="0"/>
+                                          </p:stCondLst>
+                                        </p:cTn>
                                         <p:tgtEl>
-                                          <p:spTgt spid="7"/>
+                                          <p:spTgt spid="3"/>
                                         </p:tgtEl>
                                         <p:attrNameLst>
-                                          <p:attrName>ppt_x</p:attrName>
+                                          <p:attrName>style.visibility</p:attrName>
                                         </p:attrNameLst>
                                       </p:cBhvr>
-                                      <p:tavLst>
-                                        <p:tav tm="0">
-                                          <p:val>
-                                            <p:strVal val="#ppt_x"/>
-                                          </p:val>
-                                        </p:tav>
-                                        <p:tav tm="100000">
-                                          <p:val>
-                                            <p:strVal val="#ppt_x"/>
-                                          </p:val>
-                                        </p:tav>
-                                      </p:tavLst>
-                                    </p:anim>
-                                    <p:anim calcmode="lin" valueType="num">
+                                      <p:to>
+                                        <p:strVal val="visible"/>
+                                      </p:to>
+                                    </p:set>
+                                    <p:animEffect transition="in" filter="wipe(left)">
                                       <p:cBhvr>
-                                        <p:cTn id="9" dur="1000" fill="hold"/>
+                                        <p:cTn id="12" dur="500"/>
                                         <p:tgtEl>
-                                          <p:spTgt spid="7"/>
+                                          <p:spTgt spid="3"/>
                                         </p:tgtEl>
-                                        <p:attrNameLst>
-                                          <p:attrName>ppt_y</p:attrName>
-                                        </p:attrNameLst>
                                       </p:cBhvr>
-                                      <p:tavLst>
-                                        <p:tav tm="0">
-                                          <p:val>
-                                            <p:strVal val="#ppt_y+.1"/>
-                                          </p:val>
-                                        </p:tav>
-                                        <p:tav tm="100000">
-                                          <p:val>
-                                            <p:strVal val="#ppt_y"/>
-                                          </p:val>
-                                        </p:tav>
-                                      </p:tavLst>
-                                    </p:anim>
+                                    </p:animEffect>
                                   </p:childTnLst>
                                 </p:cTn>
                               </p:par>
@@ -8617,7 +9149,945 @@
       </p:par>
     </p:tnLst>
     <p:bldLst>
-      <p:bldP spid="7" grpId="0"/>
+      <p:bldP spid="2" grpId="0" animBg="1"/>
+    </p:bldLst>
+  </p:timing>
+</p:sld>
+</file>
+
+<file path=ppt/slides/slide8.xml><?xml version="1.0" encoding="utf-8"?>
+<p:sld xmlns:a="http://schemas.openxmlformats.org/drawingml/2006/main" xmlns:r="http://schemas.openxmlformats.org/officeDocument/2006/relationships" xmlns:p="http://schemas.openxmlformats.org/presentationml/2006/main">
+  <p:cSld>
+    <p:spTree>
+      <p:nvGrpSpPr>
+        <p:cNvPr id="1" name=""/>
+        <p:cNvGrpSpPr/>
+        <p:nvPr/>
+      </p:nvGrpSpPr>
+      <p:grpSpPr>
+        <a:xfrm>
+          <a:off x="0" y="0"/>
+          <a:ext cx="0" cy="0"/>
+          <a:chOff x="0" y="0"/>
+          <a:chExt cx="0" cy="0"/>
+        </a:xfrm>
+      </p:grpSpPr>
+      <p:sp>
+        <p:nvSpPr>
+          <p:cNvPr id="2" name="矩形 1">
+            <a:extLst>
+              <a:ext uri="{FF2B5EF4-FFF2-40B4-BE49-F238E27FC236}">
+                <a16:creationId xmlns:a16="http://schemas.microsoft.com/office/drawing/2014/main" xmlns="" id="{6130B33B-FCB5-4AFA-8175-BA08126D80E1}"/>
+              </a:ext>
+            </a:extLst>
+          </p:cNvPr>
+          <p:cNvSpPr/>
+          <p:nvPr/>
+        </p:nvSpPr>
+        <p:spPr>
+          <a:xfrm>
+            <a:off x="5115464" y="279280"/>
+            <a:ext cx="2133600" cy="228600"/>
+          </a:xfrm>
+          <a:prstGeom prst="rect">
+            <a:avLst/>
+          </a:prstGeom>
+          <a:solidFill>
+            <a:schemeClr val="tx1">
+              <a:lumMod val="75000"/>
+              <a:lumOff val="25000"/>
+            </a:schemeClr>
+          </a:solidFill>
+          <a:ln>
+            <a:noFill/>
+          </a:ln>
+        </p:spPr>
+        <p:style>
+          <a:lnRef idx="2">
+            <a:schemeClr val="accent1">
+              <a:shade val="50000"/>
+            </a:schemeClr>
+          </a:lnRef>
+          <a:fillRef idx="1">
+            <a:schemeClr val="accent1"/>
+          </a:fillRef>
+          <a:effectRef idx="0">
+            <a:schemeClr val="accent1"/>
+          </a:effectRef>
+          <a:fontRef idx="minor">
+            <a:schemeClr val="lt1"/>
+          </a:fontRef>
+        </p:style>
+        <p:txBody>
+          <a:bodyPr rtlCol="0" anchor="ctr"/>
+          <a:lstStyle/>
+          <a:p>
+            <a:pPr algn="ctr"/>
+            <a:endParaRPr lang="zh-CN" altLang="en-US">
+              <a:cs typeface="+mn-ea"/>
+              <a:sym typeface="+mn-lt"/>
+            </a:endParaRPr>
+          </a:p>
+        </p:txBody>
+      </p:sp>
+      <p:grpSp>
+        <p:nvGrpSpPr>
+          <p:cNvPr id="3" name="组合 2">
+            <a:extLst>
+              <a:ext uri="{FF2B5EF4-FFF2-40B4-BE49-F238E27FC236}">
+                <a16:creationId xmlns:a16="http://schemas.microsoft.com/office/drawing/2014/main" xmlns="" id="{CF3B8F59-C87E-48F7-911B-3FCC3B1922F9}"/>
+              </a:ext>
+            </a:extLst>
+          </p:cNvPr>
+          <p:cNvGrpSpPr/>
+          <p:nvPr/>
+        </p:nvGrpSpPr>
+        <p:grpSpPr>
+          <a:xfrm>
+            <a:off x="3356227" y="639226"/>
+            <a:ext cx="5747037" cy="1046440"/>
+            <a:chOff x="793749" y="1991896"/>
+            <a:chExt cx="3458624" cy="1046440"/>
+          </a:xfrm>
+        </p:grpSpPr>
+        <p:sp>
+          <p:nvSpPr>
+            <p:cNvPr id="4" name="文本框 3">
+              <a:extLst>
+                <a:ext uri="{FF2B5EF4-FFF2-40B4-BE49-F238E27FC236}">
+                  <a16:creationId xmlns:a16="http://schemas.microsoft.com/office/drawing/2014/main" xmlns="" id="{F069F7C5-7C6B-4416-BA43-7E9FF2B95F70}"/>
+                </a:ext>
+              </a:extLst>
+            </p:cNvPr>
+            <p:cNvSpPr txBox="1"/>
+            <p:nvPr/>
+          </p:nvSpPr>
+          <p:spPr>
+            <a:xfrm>
+              <a:off x="1515030" y="1991896"/>
+              <a:ext cx="2737343" cy="707886"/>
+            </a:xfrm>
+            <a:prstGeom prst="rect">
+              <a:avLst/>
+            </a:prstGeom>
+            <a:noFill/>
+          </p:spPr>
+          <p:txBody>
+            <a:bodyPr wrap="square" rtlCol="0">
+              <a:spAutoFit/>
+            </a:bodyPr>
+            <a:lstStyle/>
+            <a:p>
+              <a:r>
+                <a:rPr lang="zh-TW" altLang="en-US" sz="4000" dirty="0"/>
+                <a:t>溫控設計的表格</a:t>
+              </a:r>
+              <a:endParaRPr lang="en-US" altLang="zh-TW" sz="4000" dirty="0"/>
+            </a:p>
+          </p:txBody>
+        </p:sp>
+        <p:sp>
+          <p:nvSpPr>
+            <p:cNvPr id="5" name="文本框 4">
+              <a:extLst>
+                <a:ext uri="{FF2B5EF4-FFF2-40B4-BE49-F238E27FC236}">
+                  <a16:creationId xmlns:a16="http://schemas.microsoft.com/office/drawing/2014/main" xmlns="" id="{E7404F6D-3A40-4203-8F0A-6169C74FB4CA}"/>
+                </a:ext>
+              </a:extLst>
+            </p:cNvPr>
+            <p:cNvSpPr txBox="1"/>
+            <p:nvPr/>
+          </p:nvSpPr>
+          <p:spPr>
+            <a:xfrm>
+              <a:off x="793749" y="2699782"/>
+              <a:ext cx="3458623" cy="338554"/>
+            </a:xfrm>
+            <a:prstGeom prst="rect">
+              <a:avLst/>
+            </a:prstGeom>
+            <a:noFill/>
+          </p:spPr>
+          <p:txBody>
+            <a:bodyPr wrap="square">
+              <a:spAutoFit/>
+            </a:bodyPr>
+            <a:lstStyle/>
+            <a:p>
+              <a:pPr algn="ctr"/>
+              <a:r>
+                <a:rPr lang="en-US" altLang="zh-TW" sz="1600" dirty="0">
+                  <a:cs typeface="+mn-ea"/>
+                  <a:sym typeface="+mn-lt"/>
+                </a:rPr>
+                <a:t>Project </a:t>
+              </a:r>
+              <a:r>
+                <a:rPr lang="en-US" altLang="zh-TW" sz="1600" dirty="0" smtClean="0">
+                  <a:cs typeface="+mn-ea"/>
+                  <a:sym typeface="+mn-lt"/>
+                </a:rPr>
+                <a:t>adding</a:t>
+              </a:r>
+              <a:endParaRPr lang="zh-CN" altLang="en-US" sz="1600" dirty="0">
+                <a:cs typeface="+mn-ea"/>
+                <a:sym typeface="+mn-lt"/>
+              </a:endParaRPr>
+            </a:p>
+          </p:txBody>
+        </p:sp>
+      </p:grpSp>
+      <p:pic>
+        <p:nvPicPr>
+          <p:cNvPr id="2050" name="Picture 2"/>
+          <p:cNvPicPr>
+            <a:picLocks noChangeAspect="1" noChangeArrowheads="1"/>
+          </p:cNvPicPr>
+          <p:nvPr/>
+        </p:nvPicPr>
+        <p:blipFill>
+          <a:blip r:embed="rId3">
+            <a:extLst>
+              <a:ext uri="{28A0092B-C50C-407E-A947-70E740481C1C}">
+                <a14:useLocalDpi xmlns:a14="http://schemas.microsoft.com/office/drawing/2010/main" val="0"/>
+              </a:ext>
+            </a:extLst>
+          </a:blip>
+          <a:srcRect/>
+          <a:stretch>
+            <a:fillRect/>
+          </a:stretch>
+        </p:blipFill>
+        <p:spPr bwMode="auto">
+          <a:xfrm>
+            <a:off x="2841158" y="1646766"/>
+            <a:ext cx="6777171" cy="5211234"/>
+          </a:xfrm>
+          <a:prstGeom prst="rect">
+            <a:avLst/>
+          </a:prstGeom>
+          <a:noFill/>
+          <a:ln>
+            <a:noFill/>
+          </a:ln>
+          <a:extLst>
+            <a:ext uri="{909E8E84-426E-40DD-AFC4-6F175D3DCCD1}">
+              <a14:hiddenFill xmlns:a14="http://schemas.microsoft.com/office/drawing/2010/main">
+                <a:solidFill>
+                  <a:schemeClr val="accent1"/>
+                </a:solidFill>
+              </a14:hiddenFill>
+            </a:ext>
+            <a:ext uri="{91240B29-F687-4F45-9708-019B960494DF}">
+              <a14:hiddenLine xmlns:a14="http://schemas.microsoft.com/office/drawing/2010/main" w="9525">
+                <a:solidFill>
+                  <a:schemeClr val="tx1"/>
+                </a:solidFill>
+                <a:miter lim="800000"/>
+                <a:headEnd/>
+                <a:tailEnd/>
+              </a14:hiddenLine>
+            </a:ext>
+          </a:extLst>
+        </p:spPr>
+      </p:pic>
+      <p:sp>
+        <p:nvSpPr>
+          <p:cNvPr id="6" name="向右箭號 5"/>
+          <p:cNvSpPr/>
+          <p:nvPr/>
+        </p:nvSpPr>
+        <p:spPr>
+          <a:xfrm rot="10226227">
+            <a:off x="8467234" y="5150000"/>
+            <a:ext cx="542621" cy="504201"/>
+          </a:xfrm>
+          <a:prstGeom prst="rightArrow">
+            <a:avLst/>
+          </a:prstGeom>
+        </p:spPr>
+        <p:style>
+          <a:lnRef idx="2">
+            <a:schemeClr val="accent1">
+              <a:shade val="50000"/>
+            </a:schemeClr>
+          </a:lnRef>
+          <a:fillRef idx="1">
+            <a:schemeClr val="accent1"/>
+          </a:fillRef>
+          <a:effectRef idx="0">
+            <a:schemeClr val="accent1"/>
+          </a:effectRef>
+          <a:fontRef idx="minor">
+            <a:schemeClr val="lt1"/>
+          </a:fontRef>
+        </p:style>
+        <p:txBody>
+          <a:bodyPr rtlCol="0" anchor="ctr"/>
+          <a:lstStyle/>
+          <a:p>
+            <a:pPr algn="ctr"/>
+            <a:endParaRPr lang="zh-TW" altLang="en-US"/>
+          </a:p>
+        </p:txBody>
+      </p:sp>
+      <p:sp>
+        <p:nvSpPr>
+          <p:cNvPr id="7" name="文字方塊 6"/>
+          <p:cNvSpPr txBox="1"/>
+          <p:nvPr/>
+        </p:nvSpPr>
+        <p:spPr>
+          <a:xfrm>
+            <a:off x="9103263" y="5108430"/>
+            <a:ext cx="2578837" cy="369332"/>
+          </a:xfrm>
+          <a:prstGeom prst="rect">
+            <a:avLst/>
+          </a:prstGeom>
+          <a:noFill/>
+        </p:spPr>
+        <p:txBody>
+          <a:bodyPr wrap="square" rtlCol="0">
+            <a:spAutoFit/>
+          </a:bodyPr>
+          <a:lstStyle/>
+          <a:p>
+            <a:r>
+              <a:rPr lang="zh-TW" altLang="en-US" dirty="0" smtClean="0"/>
+              <a:t>將合計的</a:t>
+            </a:r>
+            <a:r>
+              <a:rPr lang="en-US" altLang="zh-TW" dirty="0" smtClean="0"/>
+              <a:t>BUG</a:t>
+            </a:r>
+            <a:r>
+              <a:rPr lang="zh-TW" altLang="en-US" dirty="0" smtClean="0"/>
+              <a:t>修改完成</a:t>
+            </a:r>
+            <a:endParaRPr lang="zh-TW" altLang="en-US" dirty="0"/>
+          </a:p>
+        </p:txBody>
+      </p:sp>
+    </p:spTree>
+    <p:custDataLst>
+      <p:tags r:id="rId1"/>
+    </p:custDataLst>
+    <p:extLst>
+      <p:ext uri="{BB962C8B-B14F-4D97-AF65-F5344CB8AC3E}">
+        <p14:creationId xmlns:p14="http://schemas.microsoft.com/office/powerpoint/2010/main" val="504915856"/>
+      </p:ext>
+    </p:extLst>
+  </p:cSld>
+  <p:clrMapOvr>
+    <a:masterClrMapping/>
+  </p:clrMapOvr>
+  <mc:AlternateContent xmlns:mc="http://schemas.openxmlformats.org/markup-compatibility/2006" xmlns:p14="http://schemas.microsoft.com/office/powerpoint/2010/main">
+    <mc:Choice Requires="p14">
+      <p:transition spd="slow" p14:dur="1500" advTm="3414">
+        <p:random/>
+      </p:transition>
+    </mc:Choice>
+    <mc:Fallback xmlns:a14="http://schemas.microsoft.com/office/drawing/2010/main" xmlns:a16="http://schemas.microsoft.com/office/drawing/2014/main" xmlns="">
+      <p:transition spd="slow" advTm="3414">
+        <p:random/>
+      </p:transition>
+    </mc:Fallback>
+  </mc:AlternateContent>
+  <p:timing>
+    <p:tnLst>
+      <p:par>
+        <p:cTn id="1" dur="indefinite" restart="never" nodeType="tmRoot">
+          <p:childTnLst>
+            <p:seq concurrent="1" nextAc="seek">
+              <p:cTn id="2" dur="indefinite" nodeType="mainSeq">
+                <p:childTnLst>
+                  <p:par>
+                    <p:cTn id="3" fill="hold">
+                      <p:stCondLst>
+                        <p:cond delay="indefinite"/>
+                      </p:stCondLst>
+                      <p:childTnLst>
+                        <p:par>
+                          <p:cTn id="4" fill="hold">
+                            <p:stCondLst>
+                              <p:cond delay="0"/>
+                            </p:stCondLst>
+                            <p:childTnLst>
+                              <p:par>
+                                <p:cTn id="5" presetID="16" presetClass="entr" presetSubtype="37" fill="hold" grpId="0" nodeType="clickEffect">
+                                  <p:stCondLst>
+                                    <p:cond delay="0"/>
+                                  </p:stCondLst>
+                                  <p:childTnLst>
+                                    <p:set>
+                                      <p:cBhvr>
+                                        <p:cTn id="6" dur="1" fill="hold">
+                                          <p:stCondLst>
+                                            <p:cond delay="0"/>
+                                          </p:stCondLst>
+                                        </p:cTn>
+                                        <p:tgtEl>
+                                          <p:spTgt spid="2"/>
+                                        </p:tgtEl>
+                                        <p:attrNameLst>
+                                          <p:attrName>style.visibility</p:attrName>
+                                        </p:attrNameLst>
+                                      </p:cBhvr>
+                                      <p:to>
+                                        <p:strVal val="visible"/>
+                                      </p:to>
+                                    </p:set>
+                                    <p:animEffect transition="in" filter="barn(outVertical)">
+                                      <p:cBhvr>
+                                        <p:cTn id="7" dur="500"/>
+                                        <p:tgtEl>
+                                          <p:spTgt spid="2"/>
+                                        </p:tgtEl>
+                                      </p:cBhvr>
+                                    </p:animEffect>
+                                  </p:childTnLst>
+                                </p:cTn>
+                              </p:par>
+                            </p:childTnLst>
+                          </p:cTn>
+                        </p:par>
+                      </p:childTnLst>
+                    </p:cTn>
+                  </p:par>
+                  <p:par>
+                    <p:cTn id="8" fill="hold">
+                      <p:stCondLst>
+                        <p:cond delay="indefinite"/>
+                      </p:stCondLst>
+                      <p:childTnLst>
+                        <p:par>
+                          <p:cTn id="9" fill="hold">
+                            <p:stCondLst>
+                              <p:cond delay="0"/>
+                            </p:stCondLst>
+                            <p:childTnLst>
+                              <p:par>
+                                <p:cTn id="10" presetID="22" presetClass="entr" presetSubtype="8" fill="hold" nodeType="clickEffect">
+                                  <p:stCondLst>
+                                    <p:cond delay="0"/>
+                                  </p:stCondLst>
+                                  <p:childTnLst>
+                                    <p:set>
+                                      <p:cBhvr>
+                                        <p:cTn id="11" dur="1" fill="hold">
+                                          <p:stCondLst>
+                                            <p:cond delay="0"/>
+                                          </p:stCondLst>
+                                        </p:cTn>
+                                        <p:tgtEl>
+                                          <p:spTgt spid="3"/>
+                                        </p:tgtEl>
+                                        <p:attrNameLst>
+                                          <p:attrName>style.visibility</p:attrName>
+                                        </p:attrNameLst>
+                                      </p:cBhvr>
+                                      <p:to>
+                                        <p:strVal val="visible"/>
+                                      </p:to>
+                                    </p:set>
+                                    <p:animEffect transition="in" filter="wipe(left)">
+                                      <p:cBhvr>
+                                        <p:cTn id="12" dur="500"/>
+                                        <p:tgtEl>
+                                          <p:spTgt spid="3"/>
+                                        </p:tgtEl>
+                                      </p:cBhvr>
+                                    </p:animEffect>
+                                  </p:childTnLst>
+                                </p:cTn>
+                              </p:par>
+                            </p:childTnLst>
+                          </p:cTn>
+                        </p:par>
+                      </p:childTnLst>
+                    </p:cTn>
+                  </p:par>
+                </p:childTnLst>
+              </p:cTn>
+              <p:prevCondLst>
+                <p:cond evt="onPrev" delay="0">
+                  <p:tgtEl>
+                    <p:sldTgt/>
+                  </p:tgtEl>
+                </p:cond>
+              </p:prevCondLst>
+              <p:nextCondLst>
+                <p:cond evt="onNext" delay="0">
+                  <p:tgtEl>
+                    <p:sldTgt/>
+                  </p:tgtEl>
+                </p:cond>
+              </p:nextCondLst>
+            </p:seq>
+          </p:childTnLst>
+        </p:cTn>
+      </p:par>
+    </p:tnLst>
+    <p:bldLst>
+      <p:bldP spid="2" grpId="0" animBg="1"/>
+    </p:bldLst>
+  </p:timing>
+</p:sld>
+</file>
+
+<file path=ppt/slides/slide9.xml><?xml version="1.0" encoding="utf-8"?>
+<p:sld xmlns:a="http://schemas.openxmlformats.org/drawingml/2006/main" xmlns:r="http://schemas.openxmlformats.org/officeDocument/2006/relationships" xmlns:p="http://schemas.openxmlformats.org/presentationml/2006/main">
+  <p:cSld>
+    <p:spTree>
+      <p:nvGrpSpPr>
+        <p:cNvPr id="1" name=""/>
+        <p:cNvGrpSpPr/>
+        <p:nvPr/>
+      </p:nvGrpSpPr>
+      <p:grpSpPr>
+        <a:xfrm>
+          <a:off x="0" y="0"/>
+          <a:ext cx="0" cy="0"/>
+          <a:chOff x="0" y="0"/>
+          <a:chExt cx="0" cy="0"/>
+        </a:xfrm>
+      </p:grpSpPr>
+      <p:sp>
+        <p:nvSpPr>
+          <p:cNvPr id="2" name="矩形 1">
+            <a:extLst>
+              <a:ext uri="{FF2B5EF4-FFF2-40B4-BE49-F238E27FC236}">
+                <a16:creationId xmlns:a16="http://schemas.microsoft.com/office/drawing/2014/main" xmlns="" id="{6130B33B-FCB5-4AFA-8175-BA08126D80E1}"/>
+              </a:ext>
+            </a:extLst>
+          </p:cNvPr>
+          <p:cNvSpPr/>
+          <p:nvPr/>
+        </p:nvSpPr>
+        <p:spPr>
+          <a:xfrm>
+            <a:off x="5115464" y="279280"/>
+            <a:ext cx="2133600" cy="228600"/>
+          </a:xfrm>
+          <a:prstGeom prst="rect">
+            <a:avLst/>
+          </a:prstGeom>
+          <a:solidFill>
+            <a:schemeClr val="tx1">
+              <a:lumMod val="75000"/>
+              <a:lumOff val="25000"/>
+            </a:schemeClr>
+          </a:solidFill>
+          <a:ln>
+            <a:noFill/>
+          </a:ln>
+        </p:spPr>
+        <p:style>
+          <a:lnRef idx="2">
+            <a:schemeClr val="accent1">
+              <a:shade val="50000"/>
+            </a:schemeClr>
+          </a:lnRef>
+          <a:fillRef idx="1">
+            <a:schemeClr val="accent1"/>
+          </a:fillRef>
+          <a:effectRef idx="0">
+            <a:schemeClr val="accent1"/>
+          </a:effectRef>
+          <a:fontRef idx="minor">
+            <a:schemeClr val="lt1"/>
+          </a:fontRef>
+        </p:style>
+        <p:txBody>
+          <a:bodyPr rtlCol="0" anchor="ctr"/>
+          <a:lstStyle/>
+          <a:p>
+            <a:pPr algn="ctr"/>
+            <a:endParaRPr lang="zh-CN" altLang="en-US">
+              <a:cs typeface="+mn-ea"/>
+              <a:sym typeface="+mn-lt"/>
+            </a:endParaRPr>
+          </a:p>
+        </p:txBody>
+      </p:sp>
+      <p:grpSp>
+        <p:nvGrpSpPr>
+          <p:cNvPr id="3" name="组合 2">
+            <a:extLst>
+              <a:ext uri="{FF2B5EF4-FFF2-40B4-BE49-F238E27FC236}">
+                <a16:creationId xmlns:a16="http://schemas.microsoft.com/office/drawing/2014/main" xmlns="" id="{CF3B8F59-C87E-48F7-911B-3FCC3B1922F9}"/>
+              </a:ext>
+            </a:extLst>
+          </p:cNvPr>
+          <p:cNvGrpSpPr/>
+          <p:nvPr/>
+        </p:nvGrpSpPr>
+        <p:grpSpPr>
+          <a:xfrm>
+            <a:off x="3356227" y="639226"/>
+            <a:ext cx="5747037" cy="1046440"/>
+            <a:chOff x="793749" y="1991896"/>
+            <a:chExt cx="3458624" cy="1046440"/>
+          </a:xfrm>
+        </p:grpSpPr>
+        <p:sp>
+          <p:nvSpPr>
+            <p:cNvPr id="4" name="文本框 3">
+              <a:extLst>
+                <a:ext uri="{FF2B5EF4-FFF2-40B4-BE49-F238E27FC236}">
+                  <a16:creationId xmlns:a16="http://schemas.microsoft.com/office/drawing/2014/main" xmlns="" id="{F069F7C5-7C6B-4416-BA43-7E9FF2B95F70}"/>
+                </a:ext>
+              </a:extLst>
+            </p:cNvPr>
+            <p:cNvSpPr txBox="1"/>
+            <p:nvPr/>
+          </p:nvSpPr>
+          <p:spPr>
+            <a:xfrm>
+              <a:off x="1515030" y="1991896"/>
+              <a:ext cx="2737343" cy="707886"/>
+            </a:xfrm>
+            <a:prstGeom prst="rect">
+              <a:avLst/>
+            </a:prstGeom>
+            <a:noFill/>
+          </p:spPr>
+          <p:txBody>
+            <a:bodyPr wrap="square" rtlCol="0">
+              <a:spAutoFit/>
+            </a:bodyPr>
+            <a:lstStyle/>
+            <a:p>
+              <a:r>
+                <a:rPr lang="zh-TW" altLang="en-US" sz="4000" dirty="0" smtClean="0"/>
+                <a:t>光溫環境分析</a:t>
+              </a:r>
+              <a:endParaRPr lang="en-US" altLang="zh-TW" sz="4000" dirty="0"/>
+            </a:p>
+          </p:txBody>
+        </p:sp>
+        <p:sp>
+          <p:nvSpPr>
+            <p:cNvPr id="5" name="文本框 4">
+              <a:extLst>
+                <a:ext uri="{FF2B5EF4-FFF2-40B4-BE49-F238E27FC236}">
+                  <a16:creationId xmlns:a16="http://schemas.microsoft.com/office/drawing/2014/main" xmlns="" id="{E7404F6D-3A40-4203-8F0A-6169C74FB4CA}"/>
+                </a:ext>
+              </a:extLst>
+            </p:cNvPr>
+            <p:cNvSpPr txBox="1"/>
+            <p:nvPr/>
+          </p:nvSpPr>
+          <p:spPr>
+            <a:xfrm>
+              <a:off x="793749" y="2699782"/>
+              <a:ext cx="3458623" cy="338554"/>
+            </a:xfrm>
+            <a:prstGeom prst="rect">
+              <a:avLst/>
+            </a:prstGeom>
+            <a:noFill/>
+          </p:spPr>
+          <p:txBody>
+            <a:bodyPr wrap="square">
+              <a:spAutoFit/>
+            </a:bodyPr>
+            <a:lstStyle/>
+            <a:p>
+              <a:pPr algn="ctr"/>
+              <a:r>
+                <a:rPr lang="en-US" altLang="zh-TW" sz="1600" dirty="0">
+                  <a:cs typeface="+mn-ea"/>
+                  <a:sym typeface="+mn-lt"/>
+                </a:rPr>
+                <a:t>Project </a:t>
+              </a:r>
+              <a:r>
+                <a:rPr lang="en-US" altLang="zh-TW" sz="1600" dirty="0" smtClean="0">
+                  <a:cs typeface="+mn-ea"/>
+                  <a:sym typeface="+mn-lt"/>
+                </a:rPr>
+                <a:t>adding</a:t>
+              </a:r>
+              <a:endParaRPr lang="zh-CN" altLang="en-US" sz="1600" dirty="0">
+                <a:cs typeface="+mn-ea"/>
+                <a:sym typeface="+mn-lt"/>
+              </a:endParaRPr>
+            </a:p>
+          </p:txBody>
+        </p:sp>
+      </p:grpSp>
+      <p:pic>
+        <p:nvPicPr>
+          <p:cNvPr id="3074" name="Picture 2"/>
+          <p:cNvPicPr>
+            <a:picLocks noChangeAspect="1" noChangeArrowheads="1"/>
+          </p:cNvPicPr>
+          <p:nvPr/>
+        </p:nvPicPr>
+        <p:blipFill>
+          <a:blip r:embed="rId3">
+            <a:extLst>
+              <a:ext uri="{28A0092B-C50C-407E-A947-70E740481C1C}">
+                <a14:useLocalDpi xmlns:a14="http://schemas.microsoft.com/office/drawing/2010/main" val="0"/>
+              </a:ext>
+            </a:extLst>
+          </a:blip>
+          <a:srcRect/>
+          <a:stretch>
+            <a:fillRect/>
+          </a:stretch>
+        </p:blipFill>
+        <p:spPr bwMode="auto">
+          <a:xfrm>
+            <a:off x="5923304" y="2356061"/>
+            <a:ext cx="6151904" cy="4501939"/>
+          </a:xfrm>
+          <a:prstGeom prst="rect">
+            <a:avLst/>
+          </a:prstGeom>
+          <a:noFill/>
+          <a:ln>
+            <a:noFill/>
+          </a:ln>
+          <a:extLst>
+            <a:ext uri="{909E8E84-426E-40DD-AFC4-6F175D3DCCD1}">
+              <a14:hiddenFill xmlns:a14="http://schemas.microsoft.com/office/drawing/2010/main">
+                <a:solidFill>
+                  <a:schemeClr val="accent1"/>
+                </a:solidFill>
+              </a14:hiddenFill>
+            </a:ext>
+            <a:ext uri="{91240B29-F687-4F45-9708-019B960494DF}">
+              <a14:hiddenLine xmlns:a14="http://schemas.microsoft.com/office/drawing/2010/main" w="9525">
+                <a:solidFill>
+                  <a:schemeClr val="tx1"/>
+                </a:solidFill>
+                <a:miter lim="800000"/>
+                <a:headEnd/>
+                <a:tailEnd/>
+              </a14:hiddenLine>
+            </a:ext>
+          </a:extLst>
+        </p:spPr>
+      </p:pic>
+      <p:pic>
+        <p:nvPicPr>
+          <p:cNvPr id="3075" name="Picture 3"/>
+          <p:cNvPicPr>
+            <a:picLocks noChangeAspect="1" noChangeArrowheads="1"/>
+          </p:cNvPicPr>
+          <p:nvPr/>
+        </p:nvPicPr>
+        <p:blipFill>
+          <a:blip r:embed="rId4">
+            <a:extLst>
+              <a:ext uri="{28A0092B-C50C-407E-A947-70E740481C1C}">
+                <a14:useLocalDpi xmlns:a14="http://schemas.microsoft.com/office/drawing/2010/main" val="0"/>
+              </a:ext>
+            </a:extLst>
+          </a:blip>
+          <a:srcRect/>
+          <a:stretch>
+            <a:fillRect/>
+          </a:stretch>
+        </p:blipFill>
+        <p:spPr bwMode="auto">
+          <a:xfrm>
+            <a:off x="94005" y="2356061"/>
+            <a:ext cx="5978677" cy="3565199"/>
+          </a:xfrm>
+          <a:prstGeom prst="rect">
+            <a:avLst/>
+          </a:prstGeom>
+          <a:noFill/>
+          <a:ln>
+            <a:noFill/>
+          </a:ln>
+          <a:extLst>
+            <a:ext uri="{909E8E84-426E-40DD-AFC4-6F175D3DCCD1}">
+              <a14:hiddenFill xmlns:a14="http://schemas.microsoft.com/office/drawing/2010/main">
+                <a:solidFill>
+                  <a:schemeClr val="accent1"/>
+                </a:solidFill>
+              </a14:hiddenFill>
+            </a:ext>
+            <a:ext uri="{91240B29-F687-4F45-9708-019B960494DF}">
+              <a14:hiddenLine xmlns:a14="http://schemas.microsoft.com/office/drawing/2010/main" w="9525">
+                <a:solidFill>
+                  <a:schemeClr val="tx1"/>
+                </a:solidFill>
+                <a:miter lim="800000"/>
+                <a:headEnd/>
+                <a:tailEnd/>
+              </a14:hiddenLine>
+            </a:ext>
+          </a:extLst>
+        </p:spPr>
+      </p:pic>
+    </p:spTree>
+    <p:custDataLst>
+      <p:tags r:id="rId1"/>
+    </p:custDataLst>
+    <p:extLst>
+      <p:ext uri="{BB962C8B-B14F-4D97-AF65-F5344CB8AC3E}">
+        <p14:creationId xmlns:p14="http://schemas.microsoft.com/office/powerpoint/2010/main" val="1498803300"/>
+      </p:ext>
+    </p:extLst>
+  </p:cSld>
+  <p:clrMapOvr>
+    <a:masterClrMapping/>
+  </p:clrMapOvr>
+  <mc:AlternateContent xmlns:mc="http://schemas.openxmlformats.org/markup-compatibility/2006" xmlns:p14="http://schemas.microsoft.com/office/powerpoint/2010/main">
+    <mc:Choice Requires="p14">
+      <p:transition spd="slow" p14:dur="1500" advTm="3414">
+        <p:random/>
+      </p:transition>
+    </mc:Choice>
+    <mc:Fallback xmlns:a14="http://schemas.microsoft.com/office/drawing/2010/main" xmlns:a16="http://schemas.microsoft.com/office/drawing/2014/main" xmlns="">
+      <p:transition spd="slow" advTm="3414">
+        <p:random/>
+      </p:transition>
+    </mc:Fallback>
+  </mc:AlternateContent>
+  <p:timing>
+    <p:tnLst>
+      <p:par>
+        <p:cTn id="1" dur="indefinite" restart="never" nodeType="tmRoot">
+          <p:childTnLst>
+            <p:seq concurrent="1" nextAc="seek">
+              <p:cTn id="2" dur="indefinite" nodeType="mainSeq">
+                <p:childTnLst>
+                  <p:par>
+                    <p:cTn id="3" fill="hold">
+                      <p:stCondLst>
+                        <p:cond delay="indefinite"/>
+                      </p:stCondLst>
+                      <p:childTnLst>
+                        <p:par>
+                          <p:cTn id="4" fill="hold">
+                            <p:stCondLst>
+                              <p:cond delay="0"/>
+                            </p:stCondLst>
+                            <p:childTnLst>
+                              <p:par>
+                                <p:cTn id="5" presetID="16" presetClass="entr" presetSubtype="37" fill="hold" grpId="0" nodeType="clickEffect">
+                                  <p:stCondLst>
+                                    <p:cond delay="0"/>
+                                  </p:stCondLst>
+                                  <p:childTnLst>
+                                    <p:set>
+                                      <p:cBhvr>
+                                        <p:cTn id="6" dur="1" fill="hold">
+                                          <p:stCondLst>
+                                            <p:cond delay="0"/>
+                                          </p:stCondLst>
+                                        </p:cTn>
+                                        <p:tgtEl>
+                                          <p:spTgt spid="2"/>
+                                        </p:tgtEl>
+                                        <p:attrNameLst>
+                                          <p:attrName>style.visibility</p:attrName>
+                                        </p:attrNameLst>
+                                      </p:cBhvr>
+                                      <p:to>
+                                        <p:strVal val="visible"/>
+                                      </p:to>
+                                    </p:set>
+                                    <p:animEffect transition="in" filter="barn(outVertical)">
+                                      <p:cBhvr>
+                                        <p:cTn id="7" dur="500"/>
+                                        <p:tgtEl>
+                                          <p:spTgt spid="2"/>
+                                        </p:tgtEl>
+                                      </p:cBhvr>
+                                    </p:animEffect>
+                                  </p:childTnLst>
+                                </p:cTn>
+                              </p:par>
+                            </p:childTnLst>
+                          </p:cTn>
+                        </p:par>
+                      </p:childTnLst>
+                    </p:cTn>
+                  </p:par>
+                  <p:par>
+                    <p:cTn id="8" fill="hold">
+                      <p:stCondLst>
+                        <p:cond delay="indefinite"/>
+                      </p:stCondLst>
+                      <p:childTnLst>
+                        <p:par>
+                          <p:cTn id="9" fill="hold">
+                            <p:stCondLst>
+                              <p:cond delay="0"/>
+                            </p:stCondLst>
+                            <p:childTnLst>
+                              <p:par>
+                                <p:cTn id="10" presetID="22" presetClass="entr" presetSubtype="8" fill="hold" nodeType="clickEffect">
+                                  <p:stCondLst>
+                                    <p:cond delay="0"/>
+                                  </p:stCondLst>
+                                  <p:childTnLst>
+                                    <p:set>
+                                      <p:cBhvr>
+                                        <p:cTn id="11" dur="1" fill="hold">
+                                          <p:stCondLst>
+                                            <p:cond delay="0"/>
+                                          </p:stCondLst>
+                                        </p:cTn>
+                                        <p:tgtEl>
+                                          <p:spTgt spid="3"/>
+                                        </p:tgtEl>
+                                        <p:attrNameLst>
+                                          <p:attrName>style.visibility</p:attrName>
+                                        </p:attrNameLst>
+                                      </p:cBhvr>
+                                      <p:to>
+                                        <p:strVal val="visible"/>
+                                      </p:to>
+                                    </p:set>
+                                    <p:animEffect transition="in" filter="wipe(left)">
+                                      <p:cBhvr>
+                                        <p:cTn id="12" dur="500"/>
+                                        <p:tgtEl>
+                                          <p:spTgt spid="3"/>
+                                        </p:tgtEl>
+                                      </p:cBhvr>
+                                    </p:animEffect>
+                                  </p:childTnLst>
+                                </p:cTn>
+                              </p:par>
+                            </p:childTnLst>
+                          </p:cTn>
+                        </p:par>
+                      </p:childTnLst>
+                    </p:cTn>
+                  </p:par>
+                </p:childTnLst>
+              </p:cTn>
+              <p:prevCondLst>
+                <p:cond evt="onPrev" delay="0">
+                  <p:tgtEl>
+                    <p:sldTgt/>
+                  </p:tgtEl>
+                </p:cond>
+              </p:prevCondLst>
+              <p:nextCondLst>
+                <p:cond evt="onNext" delay="0">
+                  <p:tgtEl>
+                    <p:sldTgt/>
+                  </p:tgtEl>
+                </p:cond>
+              </p:nextCondLst>
+            </p:seq>
+          </p:childTnLst>
+        </p:cTn>
+      </p:par>
+    </p:tnLst>
+    <p:bldLst>
+      <p:bldP spid="2" grpId="0" animBg="1"/>
     </p:bldLst>
   </p:timing>
 </p:sld>
@@ -8626,6 +10096,12 @@
 <file path=ppt/tags/tag1.xml><?xml version="1.0" encoding="utf-8"?>
 <p:tagLst xmlns:a="http://schemas.openxmlformats.org/drawingml/2006/main" xmlns:r="http://schemas.openxmlformats.org/officeDocument/2006/relationships" xmlns:p="http://schemas.openxmlformats.org/presentationml/2006/main">
   <p:tag name="TIMING" val="|0.1|0.6|0.5|0.9"/>
+</p:tagLst>
+</file>
+
+<file path=ppt/tags/tag10.xml><?xml version="1.0" encoding="utf-8"?>
+<p:tagLst xmlns:a="http://schemas.openxmlformats.org/drawingml/2006/main" xmlns:r="http://schemas.openxmlformats.org/officeDocument/2006/relationships" xmlns:p="http://schemas.openxmlformats.org/presentationml/2006/main">
+  <p:tag name="TIMING" val="|0.4|0.5|1.1|0.4"/>
 </p:tagLst>
 </file>
 
@@ -8661,7 +10137,19 @@
 
 <file path=ppt/tags/tag7.xml><?xml version="1.0" encoding="utf-8"?>
 <p:tagLst xmlns:a="http://schemas.openxmlformats.org/drawingml/2006/main" xmlns:r="http://schemas.openxmlformats.org/officeDocument/2006/relationships" xmlns:p="http://schemas.openxmlformats.org/presentationml/2006/main">
-  <p:tag name="TIMING" val="|0.4|0.5|1.1|0.4"/>
+  <p:tag name="TIMING" val="|0.3|0.4|0.4|0.8"/>
+</p:tagLst>
+</file>
+
+<file path=ppt/tags/tag8.xml><?xml version="1.0" encoding="utf-8"?>
+<p:tagLst xmlns:a="http://schemas.openxmlformats.org/drawingml/2006/main" xmlns:r="http://schemas.openxmlformats.org/officeDocument/2006/relationships" xmlns:p="http://schemas.openxmlformats.org/presentationml/2006/main">
+  <p:tag name="TIMING" val="|0.3|0.4|0.4|0.8"/>
+</p:tagLst>
+</file>
+
+<file path=ppt/tags/tag9.xml><?xml version="1.0" encoding="utf-8"?>
+<p:tagLst xmlns:a="http://schemas.openxmlformats.org/drawingml/2006/main" xmlns:r="http://schemas.openxmlformats.org/officeDocument/2006/relationships" xmlns:p="http://schemas.openxmlformats.org/presentationml/2006/main">
+  <p:tag name="TIMING" val="|0.3|0.4|0.4|0.8"/>
 </p:tagLst>
 </file>
 
@@ -8860,7 +10348,7 @@
   <a:extraClrSchemeLst/>
   <a:extLst>
     <a:ext uri="{05A4C25C-085E-4340-85A3-A5531E510DB2}">
-      <thm15:themeFamily xmlns:thm15="http://schemas.microsoft.com/office/thememl/2012/main" name="Office Theme" id="{62F939B6-93AF-4DB8-9C6B-D6C7DFDC589F}" vid="{4A3C46E8-61CC-4603-A589-7422A47A8E4A}"/>
+      <thm15:themeFamily xmlns:thm15="http://schemas.microsoft.com/office/thememl/2012/main" xmlns="" name="Office Theme" id="{62F939B6-93AF-4DB8-9C6B-D6C7DFDC589F}" vid="{4A3C46E8-61CC-4603-A589-7422A47A8E4A}"/>
     </a:ext>
   </a:extLst>
 </a:theme>
@@ -9406,7 +10894,7 @@
   <a:extraClrSchemeLst/>
   <a:extLst>
     <a:ext uri="{05A4C25C-085E-4340-85A3-A5531E510DB2}">
-      <thm15:themeFamily xmlns:thm15="http://schemas.microsoft.com/office/thememl/2012/main" name="Office Theme" id="{62F939B6-93AF-4DB8-9C6B-D6C7DFDC589F}" vid="{4A3C46E8-61CC-4603-A589-7422A47A8E4A}"/>
+      <thm15:themeFamily xmlns:thm15="http://schemas.microsoft.com/office/thememl/2012/main" xmlns="" name="Office Theme" id="{62F939B6-93AF-4DB8-9C6B-D6C7DFDC589F}" vid="{4A3C46E8-61CC-4603-A589-7422A47A8E4A}"/>
     </a:ext>
   </a:extLst>
 </a:theme>
